--- a/others/share/learning-go/【第二期】Go-Micro编写微服务.pptx
+++ b/others/share/learning-go/【第二期】Go-Micro编写微服务.pptx
@@ -3,41 +3,37 @@
 <p:presentation xmlns:a="http://schemas.openxmlformats.org/drawingml/2006/main" xmlns:r="http://schemas.openxmlformats.org/officeDocument/2006/relationships" xmlns:p="http://schemas.openxmlformats.org/presentationml/2006/main" strictFirstAndLastChars="0" embedTrueTypeFonts="1" autoCompressPictures="0">
   <p:sldMasterIdLst>
     <p:sldMasterId id="2147483648" r:id="rId1"/>
-    <p:sldMasterId id="2147483654" r:id="rId2"/>
+    <p:sldMasterId id="2147483654" r:id="rId3"/>
   </p:sldMasterIdLst>
   <p:notesMasterIdLst>
-    <p:notesMasterId r:id="rId10"/>
+    <p:notesMasterId r:id="rId5"/>
   </p:notesMasterIdLst>
   <p:sldIdLst>
-    <p:sldId id="256" r:id="rId3"/>
-    <p:sldId id="257" r:id="rId4"/>
-    <p:sldId id="258" r:id="rId5"/>
-    <p:sldId id="259" r:id="rId6"/>
-    <p:sldId id="262" r:id="rId7"/>
-    <p:sldId id="289" r:id="rId8"/>
-    <p:sldId id="288" r:id="rId9"/>
+    <p:sldId id="256" r:id="rId4"/>
+    <p:sldId id="257" r:id="rId6"/>
+    <p:sldId id="258" r:id="rId7"/>
+    <p:sldId id="259" r:id="rId8"/>
+    <p:sldId id="262" r:id="rId9"/>
+    <p:sldId id="289" r:id="rId10"/>
+    <p:sldId id="288" r:id="rId11"/>
   </p:sldIdLst>
   <p:sldSz cx="9144000" cy="5143500" type="screen16x9"/>
   <p:notesSz cx="9144000" cy="5143500"/>
   <p:embeddedFontLst>
     <p:embeddedFont>
-      <p:font typeface="Arial Black" panose="020B0604020202020204" pitchFamily="34" charset="0"/>
-      <p:bold r:id="rId11"/>
+      <p:font typeface="Calibri" panose="020F0502020204030204"/>
+      <p:regular r:id="rId15"/>
+      <p:bold r:id="rId16"/>
+      <p:italic r:id="rId17"/>
+      <p:boldItalic r:id="rId18"/>
     </p:embeddedFont>
     <p:embeddedFont>
-      <p:font typeface="Calibri" panose="020F0502020204030204" pitchFamily="34" charset="0"/>
-      <p:regular r:id="rId12"/>
-      <p:bold r:id="rId13"/>
-      <p:italic r:id="rId14"/>
-      <p:boldItalic r:id="rId15"/>
+      <p:font typeface="PT Sans Narrow" panose="020B0506020203020204"/>
+      <p:regular r:id="rId19"/>
     </p:embeddedFont>
     <p:embeddedFont>
-      <p:font typeface="Open Sans" panose="020B0606030504020204" pitchFamily="34" charset="0"/>
-      <p:regular r:id="rId16"/>
-    </p:embeddedFont>
-    <p:embeddedFont>
-      <p:font typeface="PT Sans Narrow" panose="020B0506020203020204" pitchFamily="34" charset="77"/>
-      <p:regular r:id="rId17"/>
+      <p:font typeface="Open Sans" panose="020B0606030504020204"/>
+      <p:regular r:id="rId20"/>
     </p:embeddedFont>
   </p:embeddedFontLst>
   <p:defaultTextStyle>
@@ -269,22 +265,6 @@
       </a:defRPr>
     </a:lvl9pPr>
   </p:defaultTextStyle>
-  <p:extLst>
-    <p:ext uri="{EFAFB233-063F-42B5-8137-9DF3F51BA10A}">
-      <p15:sldGuideLst xmlns:p15="http://schemas.microsoft.com/office/powerpoint/2012/main">
-        <p15:guide id="1" orient="horz" pos="2904">
-          <p15:clr>
-            <a:srgbClr val="A4A3A4"/>
-          </p15:clr>
-        </p15:guide>
-        <p15:guide id="2" pos="2160">
-          <p15:clr>
-            <a:srgbClr val="A4A3A4"/>
-          </p15:clr>
-        </p15:guide>
-      </p15:sldGuideLst>
-    </p:ext>
-  </p:extLst>
 </p:presentation>
 </file>
 
@@ -513,9 +493,7 @@
               </a:defRPr>
             </a:lvl9pPr>
           </a:lstStyle>
-          <a:p>
-            <a:endParaRPr/>
-          </a:p>
+          <a:p/>
         </p:txBody>
       </p:sp>
       <p:sp>
@@ -718,9 +696,7 @@
               </a:defRPr>
             </a:lvl9pPr>
           </a:lstStyle>
-          <a:p>
-            <a:endParaRPr/>
-          </a:p>
+          <a:p/>
         </p:txBody>
       </p:sp>
       <p:sp>
@@ -974,9 +950,7 @@
               </a:defRPr>
             </a:lvl9pPr>
           </a:lstStyle>
-          <a:p>
-            <a:endParaRPr/>
-          </a:p>
+          <a:p/>
         </p:txBody>
       </p:sp>
       <p:sp>
@@ -1179,9 +1153,7 @@
               </a:defRPr>
             </a:lvl9pPr>
           </a:lstStyle>
-          <a:p>
-            <a:endParaRPr/>
-          </a:p>
+          <a:p/>
         </p:txBody>
       </p:sp>
       <p:sp>
@@ -1232,7 +1204,6 @@
                 <a:cs typeface="Calibri" panose="020F0502020204030204"/>
                 <a:sym typeface="Calibri" panose="020F0502020204030204"/>
               </a:rPr>
-              <a:t>‹#›</a:t>
             </a:fld>
             <a:endParaRPr sz="1200" b="0" i="0" u="none" strike="noStrike" cap="none">
               <a:solidFill>
@@ -1482,7 +1453,7 @@
 </file>
 
 <file path=ppt/notesSlides/notesSlide1.xml><?xml version="1.0" encoding="utf-8"?>
-<p:notes xmlns:a="http://schemas.openxmlformats.org/drawingml/2006/main" xmlns:r="http://schemas.openxmlformats.org/officeDocument/2006/relationships" xmlns:p="http://schemas.openxmlformats.org/presentationml/2006/main" showMasterSp="0" showMasterPhAnim="0">
+<p:notes xmlns:a="http://schemas.openxmlformats.org/drawingml/2006/main" xmlns:r="http://schemas.openxmlformats.org/officeDocument/2006/relationships" xmlns:p="http://schemas.openxmlformats.org/presentationml/2006/main" showMasterPhAnim="0" showMasterSp="0">
   <p:cSld>
     <p:spTree>
       <p:nvGrpSpPr>
@@ -1591,7 +1562,6 @@
               <a:buSzPts val="1100"/>
               <a:buNone/>
             </a:pPr>
-            <a:endParaRPr/>
           </a:p>
         </p:txBody>
       </p:sp>
@@ -1604,7 +1574,7 @@
 </file>
 
 <file path=ppt/notesSlides/notesSlide2.xml><?xml version="1.0" encoding="utf-8"?>
-<p:notes xmlns:a="http://schemas.openxmlformats.org/drawingml/2006/main" xmlns:r="http://schemas.openxmlformats.org/officeDocument/2006/relationships" xmlns:p="http://schemas.openxmlformats.org/presentationml/2006/main" showMasterSp="0" showMasterPhAnim="0">
+<p:notes xmlns:a="http://schemas.openxmlformats.org/drawingml/2006/main" xmlns:r="http://schemas.openxmlformats.org/officeDocument/2006/relationships" xmlns:p="http://schemas.openxmlformats.org/presentationml/2006/main" showMasterPhAnim="0" showMasterSp="0">
   <p:cSld>
     <p:spTree>
       <p:nvGrpSpPr>
@@ -1726,7 +1696,7 @@
 </file>
 
 <file path=ppt/notesSlides/notesSlide3.xml><?xml version="1.0" encoding="utf-8"?>
-<p:notes xmlns:a="http://schemas.openxmlformats.org/drawingml/2006/main" xmlns:r="http://schemas.openxmlformats.org/officeDocument/2006/relationships" xmlns:p="http://schemas.openxmlformats.org/presentationml/2006/main" showMasterSp="0" showMasterPhAnim="0">
+<p:notes xmlns:a="http://schemas.openxmlformats.org/drawingml/2006/main" xmlns:r="http://schemas.openxmlformats.org/officeDocument/2006/relationships" xmlns:p="http://schemas.openxmlformats.org/presentationml/2006/main" showMasterPhAnim="0" showMasterSp="0">
   <p:cSld>
     <p:spTree>
       <p:nvGrpSpPr>
@@ -1843,6 +1813,7 @@
               <a:rPr lang="en-US"/>
               <a:t>我们先给大家介绍Micro体系，先让各位对Micro有一定的认知，尔后我们再介绍Go-Micro框架。这个时候可能有朋友就会有疑问了，Micro与Go-Micro的关系是什么，这个疑问我曾经也有过，我接下来就给大家解释。</a:t>
             </a:r>
+            <a:endParaRPr lang="en-US"/>
           </a:p>
           <a:p>
             <a:pPr marL="0" lvl="0" indent="0" algn="l" rtl="0">
@@ -1871,7 +1842,7 @@
 </file>
 
 <file path=ppt/notesSlides/notesSlide4.xml><?xml version="1.0" encoding="utf-8"?>
-<p:notes xmlns:a="http://schemas.openxmlformats.org/drawingml/2006/main" xmlns:r="http://schemas.openxmlformats.org/officeDocument/2006/relationships" xmlns:p="http://schemas.openxmlformats.org/presentationml/2006/main" showMasterSp="0" showMasterPhAnim="0">
+<p:notes xmlns:a="http://schemas.openxmlformats.org/drawingml/2006/main" xmlns:r="http://schemas.openxmlformats.org/officeDocument/2006/relationships" xmlns:p="http://schemas.openxmlformats.org/presentationml/2006/main" showMasterPhAnim="0" showMasterSp="0">
   <p:cSld>
     <p:spTree>
       <p:nvGrpSpPr>
@@ -1980,7 +1951,6 @@
               <a:buSzPts val="1100"/>
               <a:buNone/>
             </a:pPr>
-            <a:endParaRPr/>
           </a:p>
         </p:txBody>
       </p:sp>
@@ -1993,7 +1963,7 @@
 </file>
 
 <file path=ppt/notesSlides/notesSlide5.xml><?xml version="1.0" encoding="utf-8"?>
-<p:notes xmlns:a="http://schemas.openxmlformats.org/drawingml/2006/main" xmlns:r="http://schemas.openxmlformats.org/officeDocument/2006/relationships" xmlns:p="http://schemas.openxmlformats.org/presentationml/2006/main" showMasterSp="0" showMasterPhAnim="0">
+<p:notes xmlns:a="http://schemas.openxmlformats.org/drawingml/2006/main" xmlns:r="http://schemas.openxmlformats.org/officeDocument/2006/relationships" xmlns:p="http://schemas.openxmlformats.org/presentationml/2006/main" showMasterPhAnim="0" showMasterSp="0">
   <p:cSld>
     <p:spTree>
       <p:nvGrpSpPr>
@@ -2128,7 +2098,6 @@
             </a:pPr>
             <a:fld id="{00000000-1234-1234-1234-123412341234}" type="slidenum">
               <a:rPr lang="en-US"/>
-              <a:t>5</a:t>
             </a:fld>
             <a:endParaRPr lang="en-US"/>
           </a:p>
@@ -2143,7 +2112,7 @@
 </file>
 
 <file path=ppt/notesSlides/notesSlide6.xml><?xml version="1.0" encoding="utf-8"?>
-<p:notes xmlns:a="http://schemas.openxmlformats.org/drawingml/2006/main" xmlns:r="http://schemas.openxmlformats.org/officeDocument/2006/relationships" xmlns:p="http://schemas.openxmlformats.org/presentationml/2006/main" showMasterSp="0" showMasterPhAnim="0">
+<p:notes xmlns:a="http://schemas.openxmlformats.org/drawingml/2006/main" xmlns:r="http://schemas.openxmlformats.org/officeDocument/2006/relationships" xmlns:p="http://schemas.openxmlformats.org/presentationml/2006/main" showMasterPhAnim="0" showMasterSp="0">
   <p:cSld>
     <p:spTree>
       <p:nvGrpSpPr>
@@ -2238,6 +2207,7 @@
               <a:rPr lang="en-US"/>
               <a:t>其实还有network、tunnel等网络相关的工具，但是还没正式发布，这里我们不讲。</a:t>
             </a:r>
+            <a:endParaRPr lang="en-US"/>
           </a:p>
         </p:txBody>
       </p:sp>
@@ -2281,18 +2251,12 @@
             </a:pPr>
             <a:fld id="{00000000-1234-1234-1234-123412341234}" type="slidenum">
               <a:rPr lang="en-US"/>
-              <a:t>6</a:t>
             </a:fld>
             <a:endParaRPr lang="en-US"/>
           </a:p>
         </p:txBody>
       </p:sp>
     </p:spTree>
-    <p:extLst>
-      <p:ext uri="{BB962C8B-B14F-4D97-AF65-F5344CB8AC3E}">
-        <p14:creationId xmlns:p14="http://schemas.microsoft.com/office/powerpoint/2010/main" val="2887933105"/>
-      </p:ext>
-    </p:extLst>
   </p:cSld>
   <p:clrMapOvr>
     <a:masterClrMapping/>
@@ -2301,7 +2265,7 @@
 </file>
 
 <file path=ppt/notesSlides/notesSlide7.xml><?xml version="1.0" encoding="utf-8"?>
-<p:notes xmlns:a="http://schemas.openxmlformats.org/drawingml/2006/main" xmlns:r="http://schemas.openxmlformats.org/officeDocument/2006/relationships" xmlns:p="http://schemas.openxmlformats.org/presentationml/2006/main" showMasterSp="0" showMasterPhAnim="0">
+<p:notes xmlns:a="http://schemas.openxmlformats.org/drawingml/2006/main" xmlns:r="http://schemas.openxmlformats.org/officeDocument/2006/relationships" xmlns:p="http://schemas.openxmlformats.org/presentationml/2006/main" showMasterPhAnim="0" showMasterSp="0">
   <p:cSld>
     <p:spTree>
       <p:nvGrpSpPr>
@@ -2410,7 +2374,6 @@
               <a:buSzPts val="1100"/>
               <a:buNone/>
             </a:pPr>
-            <a:endParaRPr/>
           </a:p>
         </p:txBody>
       </p:sp>
@@ -2423,7 +2386,7 @@
 </file>
 
 <file path=ppt/slideLayouts/slideLayout1.xml><?xml version="1.0" encoding="utf-8"?>
-<p:sldLayout xmlns:a="http://schemas.openxmlformats.org/drawingml/2006/main" xmlns:r="http://schemas.openxmlformats.org/officeDocument/2006/relationships" xmlns:p="http://schemas.openxmlformats.org/presentationml/2006/main" matchingName="Title Slide" type="obj">
+<p:sldLayout xmlns:a="http://schemas.openxmlformats.org/drawingml/2006/main" xmlns:r="http://schemas.openxmlformats.org/officeDocument/2006/relationships" xmlns:p="http://schemas.openxmlformats.org/presentationml/2006/main" type="obj" matchingName="Title Slide">
   <p:cSld name="OBJECT">
     <p:spTree>
       <p:nvGrpSpPr>
@@ -2571,9 +2534,7 @@
               <a:defRPr/>
             </a:lvl9pPr>
           </a:lstStyle>
-          <a:p>
-            <a:endParaRPr/>
-          </a:p>
+          <a:p/>
         </p:txBody>
       </p:sp>
       <p:sp>
@@ -2704,9 +2665,7 @@
               <a:defRPr/>
             </a:lvl9pPr>
           </a:lstStyle>
-          <a:p>
-            <a:endParaRPr/>
-          </a:p>
+          <a:p/>
         </p:txBody>
       </p:sp>
       <p:sp>
@@ -2841,9 +2800,7 @@
               <a:defRPr/>
             </a:lvl9pPr>
           </a:lstStyle>
-          <a:p>
-            <a:endParaRPr/>
-          </a:p>
+          <a:p/>
         </p:txBody>
       </p:sp>
       <p:sp>
@@ -2978,9 +2935,7 @@
               <a:defRPr/>
             </a:lvl9pPr>
           </a:lstStyle>
-          <a:p>
-            <a:endParaRPr/>
-          </a:p>
+          <a:p/>
         </p:txBody>
       </p:sp>
       <p:sp>
@@ -3123,7 +3078,6 @@
             </a:pPr>
             <a:fld id="{00000000-1234-1234-1234-123412341234}" type="slidenum">
               <a:rPr lang="en-US"/>
-              <a:t>‹#›</a:t>
             </a:fld>
             <a:endParaRPr sz="1800">
               <a:latin typeface="Calibri" panose="020F0502020204030204"/>
@@ -3314,9 +3268,7 @@
               <a:defRPr sz="2400"/>
             </a:lvl9pPr>
           </a:lstStyle>
-          <a:p>
-            <a:endParaRPr/>
-          </a:p>
+          <a:p/>
         </p:txBody>
       </p:sp>
       <p:sp>
@@ -3474,9 +3426,7 @@
               <a:defRPr sz="1200"/>
             </a:lvl9pPr>
           </a:lstStyle>
-          <a:p>
-            <a:endParaRPr/>
-          </a:p>
+          <a:p/>
         </p:txBody>
       </p:sp>
       <p:sp>
@@ -3754,7 +3704,6 @@
             </a:pPr>
             <a:fld id="{00000000-1234-1234-1234-123412341234}" type="slidenum">
               <a:rPr lang="en-US"/>
-              <a:t>‹#›</a:t>
             </a:fld>
             <a:endParaRPr lang="en-US"/>
           </a:p>
@@ -4038,9 +3987,7 @@
               </a:defRPr>
             </a:lvl9pPr>
           </a:lstStyle>
-          <a:p>
-            <a:endParaRPr/>
-          </a:p>
+          <a:p/>
         </p:txBody>
       </p:sp>
       <p:sp>
@@ -4318,7 +4265,6 @@
             </a:pPr>
             <a:fld id="{00000000-1234-1234-1234-123412341234}" type="slidenum">
               <a:rPr lang="en-US"/>
-              <a:t>‹#›</a:t>
             </a:fld>
             <a:endParaRPr lang="en-US"/>
           </a:p>
@@ -4613,9 +4559,7 @@
               <a:defRPr sz="4200"/>
             </a:lvl9pPr>
           </a:lstStyle>
-          <a:p>
-            <a:endParaRPr/>
-          </a:p>
+          <a:p/>
         </p:txBody>
       </p:sp>
       <p:sp>
@@ -4773,9 +4717,7 @@
               <a:defRPr sz="2100"/>
             </a:lvl9pPr>
           </a:lstStyle>
-          <a:p>
-            <a:endParaRPr/>
-          </a:p>
+          <a:p/>
         </p:txBody>
       </p:sp>
       <p:sp>
@@ -4996,9 +4938,7 @@
               </a:defRPr>
             </a:lvl9pPr>
           </a:lstStyle>
-          <a:p>
-            <a:endParaRPr/>
-          </a:p>
+          <a:p/>
         </p:txBody>
       </p:sp>
       <p:sp>
@@ -5276,7 +5216,6 @@
             </a:pPr>
             <a:fld id="{00000000-1234-1234-1234-123412341234}" type="slidenum">
               <a:rPr lang="en-US"/>
-              <a:t>‹#›</a:t>
             </a:fld>
             <a:endParaRPr lang="en-US"/>
           </a:p>
@@ -5383,9 +5322,7 @@
               </a:defRPr>
             </a:lvl1pPr>
           </a:lstStyle>
-          <a:p>
-            <a:endParaRPr/>
-          </a:p>
+          <a:p/>
         </p:txBody>
       </p:sp>
       <p:sp>
@@ -5663,7 +5600,6 @@
             </a:pPr>
             <a:fld id="{00000000-1234-1234-1234-123412341234}" type="slidenum">
               <a:rPr lang="en-US"/>
-              <a:t>‹#›</a:t>
             </a:fld>
             <a:endParaRPr lang="en-US"/>
           </a:p>
@@ -5705,7 +5641,7 @@
 </file>
 
 <file path=ppt/slideLayouts/slideLayout14.xml><?xml version="1.0" encoding="utf-8"?>
-<p:sldLayout xmlns:a="http://schemas.openxmlformats.org/drawingml/2006/main" xmlns:r="http://schemas.openxmlformats.org/officeDocument/2006/relationships" xmlns:p="http://schemas.openxmlformats.org/presentationml/2006/main" matchingName="Blank" type="blank">
+<p:sldLayout xmlns:a="http://schemas.openxmlformats.org/drawingml/2006/main" xmlns:r="http://schemas.openxmlformats.org/officeDocument/2006/relationships" xmlns:p="http://schemas.openxmlformats.org/presentationml/2006/main" type="blank" matchingName="Blank">
   <p:cSld name="BLANK">
     <p:spTree>
       <p:nvGrpSpPr>
@@ -5996,7 +5932,6 @@
             </a:pPr>
             <a:fld id="{00000000-1234-1234-1234-123412341234}" type="slidenum">
               <a:rPr lang="en-US"/>
-              <a:t>‹#›</a:t>
             </a:fld>
             <a:endParaRPr lang="en-US"/>
           </a:p>
@@ -6190,9 +6125,7 @@
               <a:defRPr/>
             </a:lvl9pPr>
           </a:lstStyle>
-          <a:p>
-            <a:endParaRPr/>
-          </a:p>
+          <a:p/>
         </p:txBody>
       </p:sp>
       <p:sp>
@@ -6331,9 +6264,7 @@
               <a:defRPr/>
             </a:lvl9pPr>
           </a:lstStyle>
-          <a:p>
-            <a:endParaRPr/>
-          </a:p>
+          <a:p/>
         </p:txBody>
       </p:sp>
       <p:sp>
@@ -6468,9 +6399,7 @@
               <a:defRPr/>
             </a:lvl9pPr>
           </a:lstStyle>
-          <a:p>
-            <a:endParaRPr/>
-          </a:p>
+          <a:p/>
         </p:txBody>
       </p:sp>
       <p:sp>
@@ -6605,9 +6534,7 @@
               <a:defRPr/>
             </a:lvl9pPr>
           </a:lstStyle>
-          <a:p>
-            <a:endParaRPr/>
-          </a:p>
+          <a:p/>
         </p:txBody>
       </p:sp>
       <p:sp>
@@ -6750,7 +6677,6 @@
             </a:pPr>
             <a:fld id="{00000000-1234-1234-1234-123412341234}" type="slidenum">
               <a:rPr lang="en-US"/>
-              <a:t>‹#›</a:t>
             </a:fld>
             <a:endParaRPr sz="1800">
               <a:latin typeface="Calibri" panose="020F0502020204030204"/>
@@ -7002,9 +6928,7 @@
               <a:defRPr/>
             </a:lvl9pPr>
           </a:lstStyle>
-          <a:p>
-            <a:endParaRPr/>
-          </a:p>
+          <a:p/>
         </p:txBody>
       </p:sp>
       <p:sp>
@@ -7139,9 +7063,7 @@
               <a:defRPr/>
             </a:lvl9pPr>
           </a:lstStyle>
-          <a:p>
-            <a:endParaRPr/>
-          </a:p>
+          <a:p/>
         </p:txBody>
       </p:sp>
       <p:sp>
@@ -7276,9 +7198,7 @@
               <a:defRPr/>
             </a:lvl9pPr>
           </a:lstStyle>
-          <a:p>
-            <a:endParaRPr/>
-          </a:p>
+          <a:p/>
         </p:txBody>
       </p:sp>
       <p:sp>
@@ -7421,7 +7341,6 @@
             </a:pPr>
             <a:fld id="{00000000-1234-1234-1234-123412341234}" type="slidenum">
               <a:rPr lang="en-US"/>
-              <a:t>‹#›</a:t>
             </a:fld>
             <a:endParaRPr sz="1800">
               <a:latin typeface="Calibri" panose="020F0502020204030204"/>
@@ -7811,9 +7730,7 @@
               <a:defRPr/>
             </a:lvl9pPr>
           </a:lstStyle>
-          <a:p>
-            <a:endParaRPr/>
-          </a:p>
+          <a:p/>
         </p:txBody>
       </p:sp>
       <p:sp>
@@ -7944,9 +7861,7 @@
               <a:defRPr/>
             </a:lvl9pPr>
           </a:lstStyle>
-          <a:p>
-            <a:endParaRPr/>
-          </a:p>
+          <a:p/>
         </p:txBody>
       </p:sp>
       <p:sp>
@@ -8077,9 +7992,7 @@
               <a:defRPr/>
             </a:lvl9pPr>
           </a:lstStyle>
-          <a:p>
-            <a:endParaRPr/>
-          </a:p>
+          <a:p/>
         </p:txBody>
       </p:sp>
       <p:sp>
@@ -8214,9 +8127,7 @@
               <a:defRPr/>
             </a:lvl9pPr>
           </a:lstStyle>
-          <a:p>
-            <a:endParaRPr/>
-          </a:p>
+          <a:p/>
         </p:txBody>
       </p:sp>
       <p:sp>
@@ -8351,9 +8262,7 @@
               <a:defRPr/>
             </a:lvl9pPr>
           </a:lstStyle>
-          <a:p>
-            <a:endParaRPr/>
-          </a:p>
+          <a:p/>
         </p:txBody>
       </p:sp>
       <p:sp>
@@ -8496,7 +8405,6 @@
             </a:pPr>
             <a:fld id="{00000000-1234-1234-1234-123412341234}" type="slidenum">
               <a:rPr lang="en-US"/>
-              <a:t>‹#›</a:t>
             </a:fld>
             <a:endParaRPr sz="1800">
               <a:latin typeface="Calibri" panose="020F0502020204030204"/>
@@ -8672,9 +8580,7 @@
               <a:defRPr/>
             </a:lvl9pPr>
           </a:lstStyle>
-          <a:p>
-            <a:endParaRPr/>
-          </a:p>
+          <a:p/>
         </p:txBody>
       </p:sp>
       <p:sp>
@@ -8809,9 +8715,7 @@
               <a:defRPr/>
             </a:lvl9pPr>
           </a:lstStyle>
-          <a:p>
-            <a:endParaRPr/>
-          </a:p>
+          <a:p/>
         </p:txBody>
       </p:sp>
       <p:sp>
@@ -8954,7 +8858,6 @@
             </a:pPr>
             <a:fld id="{00000000-1234-1234-1234-123412341234}" type="slidenum">
               <a:rPr lang="en-US"/>
-              <a:t>‹#›</a:t>
             </a:fld>
             <a:endParaRPr sz="1800">
               <a:latin typeface="Calibri" panose="020F0502020204030204"/>
@@ -8974,7 +8877,7 @@
 </file>
 
 <file path=ppt/slideLayouts/slideLayout6.xml><?xml version="1.0" encoding="utf-8"?>
-<p:sldLayout xmlns:a="http://schemas.openxmlformats.org/drawingml/2006/main" xmlns:r="http://schemas.openxmlformats.org/officeDocument/2006/relationships" xmlns:p="http://schemas.openxmlformats.org/presentationml/2006/main" matchingName="Title slide" type="title">
+<p:sldLayout xmlns:a="http://schemas.openxmlformats.org/drawingml/2006/main" xmlns:r="http://schemas.openxmlformats.org/officeDocument/2006/relationships" xmlns:p="http://schemas.openxmlformats.org/presentationml/2006/main" type="title" matchingName="Title slide">
   <p:cSld name="TITLE">
     <p:spTree>
       <p:nvGrpSpPr>
@@ -9331,9 +9234,7 @@
               <a:defRPr sz="5400"/>
             </a:lvl9pPr>
           </a:lstStyle>
-          <a:p>
-            <a:endParaRPr/>
-          </a:p>
+          <a:p/>
         </p:txBody>
       </p:sp>
       <p:sp>
@@ -9491,9 +9392,7 @@
               <a:defRPr sz="2400"/>
             </a:lvl9pPr>
           </a:lstStyle>
-          <a:p>
-            <a:endParaRPr/>
-          </a:p>
+          <a:p/>
         </p:txBody>
       </p:sp>
       <p:sp>
@@ -9771,7 +9670,6 @@
             </a:pPr>
             <a:fld id="{00000000-1234-1234-1234-123412341234}" type="slidenum">
               <a:rPr lang="en-US"/>
-              <a:t>‹#›</a:t>
             </a:fld>
             <a:endParaRPr lang="en-US"/>
           </a:p>
@@ -9813,7 +9711,7 @@
 </file>
 
 <file path=ppt/slideLayouts/slideLayout7.xml><?xml version="1.0" encoding="utf-8"?>
-<p:sldLayout xmlns:a="http://schemas.openxmlformats.org/drawingml/2006/main" xmlns:r="http://schemas.openxmlformats.org/officeDocument/2006/relationships" xmlns:p="http://schemas.openxmlformats.org/presentationml/2006/main" matchingName="Title and body" type="tx">
+<p:sldLayout xmlns:a="http://schemas.openxmlformats.org/drawingml/2006/main" xmlns:r="http://schemas.openxmlformats.org/officeDocument/2006/relationships" xmlns:p="http://schemas.openxmlformats.org/presentationml/2006/main" type="tx" matchingName="Title and body">
   <p:cSld name="TITLE_AND_BODY">
     <p:spTree>
       <p:nvGrpSpPr>
@@ -10040,9 +9938,7 @@
               <a:defRPr/>
             </a:lvl9pPr>
           </a:lstStyle>
-          <a:p>
-            <a:endParaRPr/>
-          </a:p>
+          <a:p/>
         </p:txBody>
       </p:sp>
       <p:sp>
@@ -10200,9 +10096,7 @@
               <a:defRPr/>
             </a:lvl9pPr>
           </a:lstStyle>
-          <a:p>
-            <a:endParaRPr/>
-          </a:p>
+          <a:p/>
         </p:txBody>
       </p:sp>
       <p:sp>
@@ -10480,7 +10374,6 @@
             </a:pPr>
             <a:fld id="{00000000-1234-1234-1234-123412341234}" type="slidenum">
               <a:rPr lang="en-US"/>
-              <a:t>‹#›</a:t>
             </a:fld>
             <a:endParaRPr lang="en-US"/>
           </a:p>
@@ -10522,7 +10415,7 @@
 </file>
 
 <file path=ppt/slideLayouts/slideLayout8.xml><?xml version="1.0" encoding="utf-8"?>
-<p:sldLayout xmlns:a="http://schemas.openxmlformats.org/drawingml/2006/main" xmlns:r="http://schemas.openxmlformats.org/officeDocument/2006/relationships" xmlns:p="http://schemas.openxmlformats.org/presentationml/2006/main" matchingName="Section header" type="secHead">
+<p:sldLayout xmlns:a="http://schemas.openxmlformats.org/drawingml/2006/main" xmlns:r="http://schemas.openxmlformats.org/officeDocument/2006/relationships" xmlns:p="http://schemas.openxmlformats.org/presentationml/2006/main" type="secHead" matchingName="Section header">
   <p:cSld name="SECTION_HEADER">
     <p:spTree>
       <p:nvGrpSpPr>
@@ -10749,9 +10642,7 @@
               <a:defRPr/>
             </a:lvl9pPr>
           </a:lstStyle>
-          <a:p>
-            <a:endParaRPr/>
-          </a:p>
+          <a:p/>
         </p:txBody>
       </p:sp>
       <p:sp>
@@ -11029,7 +10920,6 @@
             </a:pPr>
             <a:fld id="{00000000-1234-1234-1234-123412341234}" type="slidenum">
               <a:rPr lang="en-US"/>
-              <a:t>‹#›</a:t>
             </a:fld>
             <a:endParaRPr lang="en-US"/>
           </a:p>
@@ -11071,7 +10961,7 @@
 </file>
 
 <file path=ppt/slideLayouts/slideLayout9.xml><?xml version="1.0" encoding="utf-8"?>
-<p:sldLayout xmlns:a="http://schemas.openxmlformats.org/drawingml/2006/main" xmlns:r="http://schemas.openxmlformats.org/officeDocument/2006/relationships" xmlns:p="http://schemas.openxmlformats.org/presentationml/2006/main" matchingName="Go 夜读（中浅蓝）" type="twoColTx">
+<p:sldLayout xmlns:a="http://schemas.openxmlformats.org/drawingml/2006/main" xmlns:r="http://schemas.openxmlformats.org/officeDocument/2006/relationships" xmlns:p="http://schemas.openxmlformats.org/presentationml/2006/main" type="twoColTx" matchingName="Go 夜读（中浅蓝）">
   <p:cSld name="TITLE_AND_TWO_COLUMNS">
     <p:spTree>
       <p:nvGrpSpPr>
@@ -11242,9 +11132,7 @@
               <a:defRPr/>
             </a:lvl9pPr>
           </a:lstStyle>
-          <a:p>
-            <a:endParaRPr/>
-          </a:p>
+          <a:p/>
         </p:txBody>
       </p:sp>
       <p:sp>
@@ -11402,9 +11290,7 @@
               <a:defRPr sz="1200"/>
             </a:lvl9pPr>
           </a:lstStyle>
-          <a:p>
-            <a:endParaRPr/>
-          </a:p>
+          <a:p/>
         </p:txBody>
       </p:sp>
       <p:sp>
@@ -11562,9 +11448,7 @@
               <a:defRPr sz="1200"/>
             </a:lvl9pPr>
           </a:lstStyle>
-          <a:p>
-            <a:endParaRPr/>
-          </a:p>
+          <a:p/>
         </p:txBody>
       </p:sp>
       <p:sp>
@@ -11842,7 +11726,6 @@
             </a:pPr>
             <a:fld id="{00000000-1234-1234-1234-123412341234}" type="slidenum">
               <a:rPr lang="en-US"/>
-              <a:t>‹#›</a:t>
             </a:fld>
             <a:endParaRPr lang="en-US"/>
           </a:p>
@@ -12110,9 +11993,7 @@
               <a:defRPr sz="1800"/>
             </a:lvl9pPr>
           </a:lstStyle>
-          <a:p>
-            <a:endParaRPr/>
-          </a:p>
+          <a:p/>
         </p:txBody>
       </p:sp>
       <p:sp>
@@ -12291,9 +12172,7 @@
               </a:defRPr>
             </a:lvl9pPr>
           </a:lstStyle>
-          <a:p>
-            <a:endParaRPr/>
-          </a:p>
+          <a:p/>
         </p:txBody>
       </p:sp>
       <p:sp>
@@ -12496,9 +12375,7 @@
               </a:defRPr>
             </a:lvl9pPr>
           </a:lstStyle>
-          <a:p>
-            <a:endParaRPr/>
-          </a:p>
+          <a:p/>
         </p:txBody>
       </p:sp>
       <p:sp>
@@ -12701,9 +12578,7 @@
               </a:defRPr>
             </a:lvl9pPr>
           </a:lstStyle>
-          <a:p>
-            <a:endParaRPr/>
-          </a:p>
+          <a:p/>
         </p:txBody>
       </p:sp>
       <p:sp>
@@ -12882,7 +12757,6 @@
             </a:pPr>
             <a:fld id="{00000000-1234-1234-1234-123412341234}" type="slidenum">
               <a:rPr lang="en-US"/>
-              <a:t>‹#›</a:t>
             </a:fld>
             <a:endParaRPr b="0" u="none"/>
           </a:p>
@@ -13879,9 +13753,7 @@
               </a:defRPr>
             </a:lvl9pPr>
           </a:lstStyle>
-          <a:p>
-            <a:endParaRPr/>
-          </a:p>
+          <a:p/>
         </p:txBody>
       </p:sp>
       <p:sp>
@@ -14147,9 +14019,7 @@
               </a:defRPr>
             </a:lvl9pPr>
           </a:lstStyle>
-          <a:p>
-            <a:endParaRPr/>
-          </a:p>
+          <a:p/>
         </p:txBody>
       </p:sp>
       <p:sp>
@@ -14427,7 +14297,6 @@
             </a:pPr>
             <a:fld id="{00000000-1234-1234-1234-123412341234}" type="slidenum">
               <a:rPr lang="en-US"/>
-              <a:t>‹#›</a:t>
             </a:fld>
             <a:endParaRPr lang="en-US"/>
           </a:p>
@@ -14440,7 +14309,7 @@
           <p:nvPr/>
         </p:nvPicPr>
         <p:blipFill rotWithShape="1">
-          <a:blip r:embed="rId11"/>
+          <a:blip r:embed="rId10"/>
           <a:srcRect/>
           <a:stretch>
             <a:fillRect/>
@@ -15282,8 +15151,17 @@
             </a:pPr>
             <a:r>
               <a:rPr lang="en-US"/>
-              <a:t>Printfcoder</a:t>
+              <a:t>Micro </a:t>
             </a:r>
+            <a:r>
+              <a:rPr lang="zh-CN" altLang="en-US">
+                <a:ea typeface="宋体" panose="02010600030101010101" pitchFamily="2" charset="-122"/>
+              </a:rPr>
+              <a:t>中国</a:t>
+            </a:r>
+            <a:endParaRPr lang="zh-CN" altLang="en-US">
+              <a:ea typeface="宋体" panose="02010600030101010101" pitchFamily="2" charset="-122"/>
+            </a:endParaRPr>
           </a:p>
           <a:p>
             <a:pPr marL="0" lvl="0" indent="0" algn="ctr" rtl="0">
@@ -15305,7 +15183,7 @@
             </a:r>
             <a:r>
               <a:rPr lang="en-US" altLang="zh-CN"/>
-              <a:t>1</a:t>
+              <a:t>2</a:t>
             </a:r>
             <a:r>
               <a:rPr lang="en-US"/>
@@ -15313,7 +15191,7 @@
             </a:r>
             <a:r>
               <a:rPr lang="en-US" altLang="zh-CN"/>
-              <a:t>20</a:t>
+              <a:t>19</a:t>
             </a:r>
             <a:endParaRPr lang="en-US"/>
           </a:p>
@@ -15363,7 +15241,6 @@
             </a:pPr>
             <a:fld id="{00000000-1234-1234-1234-123412341234}" type="slidenum">
               <a:rPr lang="en-US"/>
-              <a:t>1</a:t>
             </a:fld>
             <a:endParaRPr lang="en-US"/>
           </a:p>
@@ -15492,7 +15369,6 @@
             </a:pPr>
             <a:fld id="{00000000-1234-1234-1234-123412341234}" type="slidenum">
               <a:rPr lang="en-US"/>
-              <a:t>2</a:t>
             </a:fld>
             <a:endParaRPr lang="en-US"/>
           </a:p>
@@ -15611,7 +15487,7 @@
             <a:pPr marL="12700" lvl="0"/>
             <a:r>
               <a:rPr lang="en-US">
-                <a:hlinkClick r:id="rId3"/>
+                <a:hlinkClick r:id="rId1"/>
               </a:rPr>
               <a:t>https://github.com/micro-in-cn</a:t>
             </a:r>
@@ -15701,20 +15577,14 @@
       </p:sp>
       <p:pic>
         <p:nvPicPr>
-          <p:cNvPr id="2" name="Picture 1">
-            <a:extLst>
-              <a:ext uri="{FF2B5EF4-FFF2-40B4-BE49-F238E27FC236}">
-                <a16:creationId xmlns:a16="http://schemas.microsoft.com/office/drawing/2014/main" id="{80371C88-4486-B545-804A-7F58DDC49383}"/>
-              </a:ext>
-            </a:extLst>
-          </p:cNvPr>
+          <p:cNvPr id="2" name="Picture 1"/>
           <p:cNvPicPr>
             <a:picLocks noChangeAspect="1"/>
           </p:cNvPicPr>
           <p:nvPr/>
         </p:nvPicPr>
         <p:blipFill>
-          <a:blip r:embed="rId4"/>
+          <a:blip r:embed="rId2"/>
           <a:stretch>
             <a:fillRect/>
           </a:stretch>
@@ -15731,20 +15601,14 @@
       </p:pic>
       <p:pic>
         <p:nvPicPr>
-          <p:cNvPr id="3" name="Picture 2">
-            <a:extLst>
-              <a:ext uri="{FF2B5EF4-FFF2-40B4-BE49-F238E27FC236}">
-                <a16:creationId xmlns:a16="http://schemas.microsoft.com/office/drawing/2014/main" id="{E96A37A8-31BE-014D-A50A-2A17E46787C8}"/>
-              </a:ext>
-            </a:extLst>
-          </p:cNvPr>
+          <p:cNvPr id="3" name="Picture 2"/>
           <p:cNvPicPr>
             <a:picLocks noChangeAspect="1"/>
           </p:cNvPicPr>
           <p:nvPr/>
         </p:nvPicPr>
         <p:blipFill>
-          <a:blip r:embed="rId5"/>
+          <a:blip r:embed="rId3"/>
           <a:stretch>
             <a:fillRect/>
           </a:stretch>
@@ -15761,13 +15625,7 @@
       </p:pic>
       <p:sp>
         <p:nvSpPr>
-          <p:cNvPr id="4" name="TextBox 3">
-            <a:extLst>
-              <a:ext uri="{FF2B5EF4-FFF2-40B4-BE49-F238E27FC236}">
-                <a16:creationId xmlns:a16="http://schemas.microsoft.com/office/drawing/2014/main" id="{D0440B4A-912E-E64C-B316-C3E4D2F3FDB5}"/>
-              </a:ext>
-            </a:extLst>
-          </p:cNvPr>
+          <p:cNvPr id="4" name="TextBox 3"/>
           <p:cNvSpPr txBox="1"/>
           <p:nvPr/>
         </p:nvSpPr>
@@ -15801,13 +15659,7 @@
       </p:sp>
       <p:sp>
         <p:nvSpPr>
-          <p:cNvPr id="14" name="TextBox 13">
-            <a:extLst>
-              <a:ext uri="{FF2B5EF4-FFF2-40B4-BE49-F238E27FC236}">
-                <a16:creationId xmlns:a16="http://schemas.microsoft.com/office/drawing/2014/main" id="{F25C368B-1B0F-BA49-A152-47AF50FB647C}"/>
-              </a:ext>
-            </a:extLst>
-          </p:cNvPr>
+          <p:cNvPr id="14" name="TextBox 13"/>
           <p:cNvSpPr txBox="1"/>
           <p:nvPr/>
         </p:nvSpPr>
@@ -15835,6 +15687,7 @@
               <a:rPr kumimoji="1" lang="zh-CN" altLang="en-US"/>
               <a:t>中国公众号</a:t>
             </a:r>
+            <a:endParaRPr kumimoji="1" lang="zh-CN" altLang="en-US"/>
           </a:p>
         </p:txBody>
       </p:sp>
@@ -15909,6 +15762,7 @@
               <a:rPr lang="en-US"/>
               <a:t>主题</a:t>
             </a:r>
+            <a:endParaRPr lang="en-US"/>
           </a:p>
         </p:txBody>
       </p:sp>
@@ -15956,7 +15810,6 @@
             </a:pPr>
             <a:fld id="{00000000-1234-1234-1234-123412341234}" type="slidenum">
               <a:rPr lang="en-US"/>
-              <a:t>3</a:t>
             </a:fld>
             <a:endParaRPr lang="en-US"/>
           </a:p>
@@ -16180,6 +16033,15 @@
               </a:rPr>
               <a:t>API</a:t>
             </a:r>
+            <a:endParaRPr lang="en-US" altLang="zh-CN">
+              <a:solidFill>
+                <a:srgbClr val="424242"/>
+              </a:solidFill>
+              <a:latin typeface="Courier New" panose="02070309020205020404"/>
+              <a:ea typeface="Courier New" panose="02070309020205020404"/>
+              <a:cs typeface="Courier New" panose="02070309020205020404"/>
+              <a:sym typeface="Courier New" panose="02070309020205020404"/>
+            </a:endParaRPr>
           </a:p>
           <a:p>
             <a:pPr marL="355600" indent="-342900">
@@ -16211,6 +16073,15 @@
               </a:rPr>
               <a:t>Broker</a:t>
             </a:r>
+            <a:endParaRPr lang="en-US" altLang="zh-CN">
+              <a:solidFill>
+                <a:srgbClr val="424242"/>
+              </a:solidFill>
+              <a:latin typeface="Courier New" panose="02070309020205020404"/>
+              <a:ea typeface="Courier New" panose="02070309020205020404"/>
+              <a:cs typeface="Courier New" panose="02070309020205020404"/>
+              <a:sym typeface="Courier New" panose="02070309020205020404"/>
+            </a:endParaRPr>
           </a:p>
           <a:p>
             <a:pPr marL="355600" lvl="0" indent="-342900">
@@ -16242,6 +16113,15 @@
               </a:rPr>
               <a:t>Wrapper</a:t>
             </a:r>
+            <a:endParaRPr lang="en-US" altLang="zh-CN" sz="1400" b="0" i="0" u="none" strike="noStrike" cap="none">
+              <a:solidFill>
+                <a:srgbClr val="424242"/>
+              </a:solidFill>
+              <a:latin typeface="Courier New" panose="02070309020205020404"/>
+              <a:ea typeface="Courier New" panose="02070309020205020404"/>
+              <a:cs typeface="Courier New" panose="02070309020205020404"/>
+              <a:sym typeface="Courier New" panose="02070309020205020404"/>
+            </a:endParaRPr>
           </a:p>
           <a:p>
             <a:pPr marL="355600" marR="0" lvl="0" indent="-342900" algn="l" rtl="0">
@@ -16325,6 +16205,15 @@
               </a:rPr>
               <a:t>网关浅讲</a:t>
             </a:r>
+            <a:endParaRPr lang="zh-CN" altLang="en-US">
+              <a:solidFill>
+                <a:srgbClr val="424242"/>
+              </a:solidFill>
+              <a:latin typeface="Courier New" panose="02070309020205020404"/>
+              <a:ea typeface="Courier New" panose="02070309020205020404"/>
+              <a:cs typeface="Courier New" panose="02070309020205020404"/>
+              <a:sym typeface="Courier New" panose="02070309020205020404"/>
+            </a:endParaRPr>
           </a:p>
           <a:p>
             <a:pPr marL="355600" lvl="0" indent="-342900">
@@ -16356,6 +16245,15 @@
               </a:rPr>
               <a:t>Zap）</a:t>
             </a:r>
+            <a:endParaRPr lang="en-US">
+              <a:solidFill>
+                <a:srgbClr val="424242"/>
+              </a:solidFill>
+              <a:latin typeface="Courier New" panose="02070309020205020404"/>
+              <a:ea typeface="Courier New" panose="02070309020205020404"/>
+              <a:cs typeface="Courier New" panose="02070309020205020404"/>
+              <a:sym typeface="Courier New" panose="02070309020205020404"/>
+            </a:endParaRPr>
           </a:p>
         </p:txBody>
       </p:sp>
@@ -16482,7 +16380,6 @@
             </a:pPr>
             <a:fld id="{00000000-1234-1234-1234-123412341234}" type="slidenum">
               <a:rPr lang="en-US"/>
-              <a:t>4</a:t>
             </a:fld>
             <a:endParaRPr lang="en-US"/>
           </a:p>
@@ -16557,20 +16454,14 @@
       </p:sp>
       <p:pic>
         <p:nvPicPr>
-          <p:cNvPr id="3" name="Picture 2">
-            <a:extLst>
-              <a:ext uri="{FF2B5EF4-FFF2-40B4-BE49-F238E27FC236}">
-                <a16:creationId xmlns:a16="http://schemas.microsoft.com/office/drawing/2014/main" id="{CFB087CB-9BAC-7747-AD2F-C9DD48B3C2BD}"/>
-              </a:ext>
-            </a:extLst>
-          </p:cNvPr>
+          <p:cNvPr id="3" name="Picture 2"/>
           <p:cNvPicPr>
             <a:picLocks noChangeAspect="1"/>
           </p:cNvPicPr>
           <p:nvPr/>
         </p:nvPicPr>
         <p:blipFill>
-          <a:blip r:embed="rId3"/>
+          <a:blip r:embed="rId1"/>
           <a:stretch>
             <a:fillRect/>
           </a:stretch>
@@ -16587,13 +16478,7 @@
       </p:pic>
       <p:sp>
         <p:nvSpPr>
-          <p:cNvPr id="6" name="Google Shape;297;p31">
-            <a:extLst>
-              <a:ext uri="{FF2B5EF4-FFF2-40B4-BE49-F238E27FC236}">
-                <a16:creationId xmlns:a16="http://schemas.microsoft.com/office/drawing/2014/main" id="{048A31CC-675A-9044-9286-8E2E50C423CF}"/>
-              </a:ext>
-            </a:extLst>
-          </p:cNvPr>
+          <p:cNvPr id="6" name="Google Shape;297;p31"/>
           <p:cNvSpPr txBox="1"/>
           <p:nvPr/>
         </p:nvSpPr>
@@ -16678,13 +16563,7 @@
       </p:sp>
       <p:sp>
         <p:nvSpPr>
-          <p:cNvPr id="7" name="Google Shape;298;p31">
-            <a:extLst>
-              <a:ext uri="{FF2B5EF4-FFF2-40B4-BE49-F238E27FC236}">
-                <a16:creationId xmlns:a16="http://schemas.microsoft.com/office/drawing/2014/main" id="{99D76BB8-0DDE-D046-A43D-8ADA33986B9B}"/>
-              </a:ext>
-            </a:extLst>
-          </p:cNvPr>
+          <p:cNvPr id="7" name="Google Shape;298;p31"/>
           <p:cNvSpPr txBox="1"/>
           <p:nvPr/>
         </p:nvSpPr>
@@ -16769,13 +16648,7 @@
       </p:sp>
       <p:sp>
         <p:nvSpPr>
-          <p:cNvPr id="8" name="Google Shape;299;p31">
-            <a:extLst>
-              <a:ext uri="{FF2B5EF4-FFF2-40B4-BE49-F238E27FC236}">
-                <a16:creationId xmlns:a16="http://schemas.microsoft.com/office/drawing/2014/main" id="{B33B8349-65B6-D04D-A778-D8CFA92049BE}"/>
-              </a:ext>
-            </a:extLst>
-          </p:cNvPr>
+          <p:cNvPr id="8" name="Google Shape;299;p31"/>
           <p:cNvSpPr txBox="1"/>
           <p:nvPr/>
         </p:nvSpPr>
@@ -16848,13 +16721,7 @@
       </p:sp>
       <p:sp>
         <p:nvSpPr>
-          <p:cNvPr id="9" name="Google Shape;300;p31">
-            <a:extLst>
-              <a:ext uri="{FF2B5EF4-FFF2-40B4-BE49-F238E27FC236}">
-                <a16:creationId xmlns:a16="http://schemas.microsoft.com/office/drawing/2014/main" id="{168C524D-9FBB-7A45-9B77-F9281E33CA7B}"/>
-              </a:ext>
-            </a:extLst>
-          </p:cNvPr>
+          <p:cNvPr id="9" name="Google Shape;300;p31"/>
           <p:cNvSpPr txBox="1"/>
           <p:nvPr/>
         </p:nvSpPr>
@@ -16927,13 +16794,7 @@
       </p:sp>
       <p:sp>
         <p:nvSpPr>
-          <p:cNvPr id="10" name="Google Shape;301;p31">
-            <a:extLst>
-              <a:ext uri="{FF2B5EF4-FFF2-40B4-BE49-F238E27FC236}">
-                <a16:creationId xmlns:a16="http://schemas.microsoft.com/office/drawing/2014/main" id="{E99E0333-8F47-D24F-BA1F-876F43E776D0}"/>
-              </a:ext>
-            </a:extLst>
-          </p:cNvPr>
+          <p:cNvPr id="10" name="Google Shape;301;p31"/>
           <p:cNvSpPr txBox="1"/>
           <p:nvPr/>
         </p:nvSpPr>
@@ -17006,13 +16867,7 @@
       </p:sp>
       <p:sp>
         <p:nvSpPr>
-          <p:cNvPr id="11" name="Google Shape;302;p31">
-            <a:extLst>
-              <a:ext uri="{FF2B5EF4-FFF2-40B4-BE49-F238E27FC236}">
-                <a16:creationId xmlns:a16="http://schemas.microsoft.com/office/drawing/2014/main" id="{1CAD7752-3CC6-474D-9661-1281B4819548}"/>
-              </a:ext>
-            </a:extLst>
-          </p:cNvPr>
+          <p:cNvPr id="11" name="Google Shape;302;p31"/>
           <p:cNvSpPr txBox="1"/>
           <p:nvPr/>
         </p:nvSpPr>
@@ -17085,13 +16940,7 @@
       </p:sp>
       <p:sp>
         <p:nvSpPr>
-          <p:cNvPr id="12" name="Google Shape;303;p31">
-            <a:extLst>
-              <a:ext uri="{FF2B5EF4-FFF2-40B4-BE49-F238E27FC236}">
-                <a16:creationId xmlns:a16="http://schemas.microsoft.com/office/drawing/2014/main" id="{1E9D1266-CC4A-8644-87D8-53691E6D9B20}"/>
-              </a:ext>
-            </a:extLst>
-          </p:cNvPr>
+          <p:cNvPr id="12" name="Google Shape;303;p31"/>
           <p:cNvSpPr txBox="1"/>
           <p:nvPr/>
         </p:nvSpPr>
@@ -17230,11 +17079,6 @@
         </p:txBody>
       </p:sp>
     </p:spTree>
-    <p:extLst>
-      <p:ext uri="{BB962C8B-B14F-4D97-AF65-F5344CB8AC3E}">
-        <p14:creationId xmlns:p14="http://schemas.microsoft.com/office/powerpoint/2010/main" val="1708584715"/>
-      </p:ext>
-    </p:extLst>
   </p:cSld>
   <p:clrMapOvr>
     <a:masterClrMapping/>
@@ -17305,6 +17149,7 @@
               <a:rPr lang="en-US"/>
               <a:t>谢谢大家</a:t>
             </a:r>
+            <a:endParaRPr lang="en-US"/>
           </a:p>
         </p:txBody>
       </p:sp>
@@ -17352,7 +17197,6 @@
             </a:pPr>
             <a:fld id="{00000000-1234-1234-1234-123412341234}" type="slidenum">
               <a:rPr lang="en-US"/>
-              <a:t>7</a:t>
             </a:fld>
             <a:endParaRPr lang="en-US"/>
           </a:p>
@@ -17404,7 +17248,7 @@
                 <a:ea typeface="Courier New" panose="02070309020205020404"/>
                 <a:cs typeface="Courier New" panose="02070309020205020404"/>
                 <a:sym typeface="Courier New" panose="02070309020205020404"/>
-                <a:hlinkClick r:id="rId3"/>
+                <a:hlinkClick r:id="rId1"/>
               </a:rPr>
               <a:t>micro.mu</a:t>
             </a:r>
@@ -17610,7 +17454,7 @@
           <p:nvPr/>
         </p:nvPicPr>
         <p:blipFill rotWithShape="1">
-          <a:blip r:embed="rId4"/>
+          <a:blip r:embed="rId2"/>
           <a:srcRect/>
           <a:stretch>
             <a:fillRect/>
@@ -17737,7 +17581,7 @@
                 <a:ea typeface="Courier New" panose="02070309020205020404"/>
                 <a:cs typeface="Courier New" panose="02070309020205020404"/>
                 <a:sym typeface="Courier New" panose="02070309020205020404"/>
-                <a:hlinkClick r:id="rId5"/>
+                <a:hlinkClick r:id="rId3"/>
               </a:rPr>
               <a:t>Micro</a:t>
             </a:r>
@@ -17773,7 +17617,7 @@
                 <a:ea typeface="Courier New" panose="02070309020205020404"/>
                 <a:cs typeface="Courier New" panose="02070309020205020404"/>
                 <a:sym typeface="Courier New" panose="02070309020205020404"/>
-                <a:hlinkClick r:id="rId6"/>
+                <a:hlinkClick r:id="rId4"/>
               </a:rPr>
               <a:t>Micro中国站</a:t>
             </a:r>
@@ -17814,20 +17658,14 @@
       </p:sp>
       <p:pic>
         <p:nvPicPr>
-          <p:cNvPr id="11" name="Picture 10">
-            <a:extLst>
-              <a:ext uri="{FF2B5EF4-FFF2-40B4-BE49-F238E27FC236}">
-                <a16:creationId xmlns:a16="http://schemas.microsoft.com/office/drawing/2014/main" id="{A85DD5E0-5354-684A-B298-3DF5ADBC168B}"/>
-              </a:ext>
-            </a:extLst>
-          </p:cNvPr>
+          <p:cNvPr id="11" name="Picture 10"/>
           <p:cNvPicPr>
             <a:picLocks noChangeAspect="1"/>
           </p:cNvPicPr>
           <p:nvPr/>
         </p:nvPicPr>
         <p:blipFill>
-          <a:blip r:embed="rId7"/>
+          <a:blip r:embed="rId5"/>
           <a:stretch>
             <a:fillRect/>
           </a:stretch>

--- a/others/share/learning-go/【第二期】Go-Micro编写微服务.pptx
+++ b/others/share/learning-go/【第二期】Go-Micro编写微服务.pptx
@@ -3,37 +3,43 @@
 <p:presentation xmlns:a="http://schemas.openxmlformats.org/drawingml/2006/main" xmlns:r="http://schemas.openxmlformats.org/officeDocument/2006/relationships" xmlns:p="http://schemas.openxmlformats.org/presentationml/2006/main" strictFirstAndLastChars="0" embedTrueTypeFonts="1" autoCompressPictures="0">
   <p:sldMasterIdLst>
     <p:sldMasterId id="2147483648" r:id="rId1"/>
-    <p:sldMasterId id="2147483654" r:id="rId3"/>
+    <p:sldMasterId id="2147483654" r:id="rId2"/>
   </p:sldMasterIdLst>
   <p:notesMasterIdLst>
-    <p:notesMasterId r:id="rId5"/>
+    <p:notesMasterId r:id="rId12"/>
   </p:notesMasterIdLst>
   <p:sldIdLst>
-    <p:sldId id="256" r:id="rId4"/>
-    <p:sldId id="257" r:id="rId6"/>
-    <p:sldId id="258" r:id="rId7"/>
-    <p:sldId id="259" r:id="rId8"/>
-    <p:sldId id="262" r:id="rId9"/>
-    <p:sldId id="289" r:id="rId10"/>
+    <p:sldId id="256" r:id="rId3"/>
+    <p:sldId id="257" r:id="rId4"/>
+    <p:sldId id="258" r:id="rId5"/>
+    <p:sldId id="259" r:id="rId6"/>
+    <p:sldId id="262" r:id="rId7"/>
+    <p:sldId id="289" r:id="rId8"/>
+    <p:sldId id="290" r:id="rId9"/>
+    <p:sldId id="291" r:id="rId10"/>
     <p:sldId id="288" r:id="rId11"/>
   </p:sldIdLst>
   <p:sldSz cx="9144000" cy="5143500" type="screen16x9"/>
   <p:notesSz cx="9144000" cy="5143500"/>
   <p:embeddedFontLst>
     <p:embeddedFont>
-      <p:font typeface="Calibri" panose="020F0502020204030204"/>
-      <p:regular r:id="rId15"/>
-      <p:bold r:id="rId16"/>
-      <p:italic r:id="rId17"/>
-      <p:boldItalic r:id="rId18"/>
+      <p:font typeface="Arial Black" panose="020B0A04020102020204" pitchFamily="34" charset="0"/>
+      <p:bold r:id="rId13"/>
     </p:embeddedFont>
     <p:embeddedFont>
-      <p:font typeface="PT Sans Narrow" panose="020B0506020203020204"/>
-      <p:regular r:id="rId19"/>
+      <p:font typeface="Calibri" panose="020F0502020204030204" pitchFamily="34" charset="0"/>
+      <p:regular r:id="rId14"/>
+      <p:bold r:id="rId15"/>
+      <p:italic r:id="rId16"/>
+      <p:boldItalic r:id="rId17"/>
     </p:embeddedFont>
     <p:embeddedFont>
-      <p:font typeface="Open Sans" panose="020B0606030504020204"/>
-      <p:regular r:id="rId20"/>
+      <p:font typeface="Open Sans" panose="02010600030101010101" charset="0"/>
+      <p:regular r:id="rId18"/>
+    </p:embeddedFont>
+    <p:embeddedFont>
+      <p:font typeface="PT Sans Narrow" panose="02010600030101010101" charset="0"/>
+      <p:regular r:id="rId19"/>
     </p:embeddedFont>
   </p:embeddedFontLst>
   <p:defaultTextStyle>
@@ -265,6 +271,22 @@
       </a:defRPr>
     </a:lvl9pPr>
   </p:defaultTextStyle>
+  <p:extLst>
+    <p:ext uri="{EFAFB233-063F-42B5-8137-9DF3F51BA10A}">
+      <p15:sldGuideLst xmlns:p15="http://schemas.microsoft.com/office/powerpoint/2012/main">
+        <p15:guide id="1" orient="horz" pos="2904">
+          <p15:clr>
+            <a:srgbClr val="A4A3A4"/>
+          </p15:clr>
+        </p15:guide>
+        <p15:guide id="2" pos="2160">
+          <p15:clr>
+            <a:srgbClr val="A4A3A4"/>
+          </p15:clr>
+        </p15:guide>
+      </p15:sldGuideLst>
+    </p:ext>
+  </p:extLst>
 </p:presentation>
 </file>
 
@@ -493,7 +515,9 @@
               </a:defRPr>
             </a:lvl9pPr>
           </a:lstStyle>
-          <a:p/>
+          <a:p>
+            <a:endParaRPr/>
+          </a:p>
         </p:txBody>
       </p:sp>
       <p:sp>
@@ -696,7 +720,9 @@
               </a:defRPr>
             </a:lvl9pPr>
           </a:lstStyle>
-          <a:p/>
+          <a:p>
+            <a:endParaRPr/>
+          </a:p>
         </p:txBody>
       </p:sp>
       <p:sp>
@@ -950,7 +976,9 @@
               </a:defRPr>
             </a:lvl9pPr>
           </a:lstStyle>
-          <a:p/>
+          <a:p>
+            <a:endParaRPr/>
+          </a:p>
         </p:txBody>
       </p:sp>
       <p:sp>
@@ -1153,7 +1181,9 @@
               </a:defRPr>
             </a:lvl9pPr>
           </a:lstStyle>
-          <a:p/>
+          <a:p>
+            <a:endParaRPr/>
+          </a:p>
         </p:txBody>
       </p:sp>
       <p:sp>
@@ -1204,6 +1234,7 @@
                 <a:cs typeface="Calibri" panose="020F0502020204030204"/>
                 <a:sym typeface="Calibri" panose="020F0502020204030204"/>
               </a:rPr>
+              <a:t>‹#›</a:t>
             </a:fld>
             <a:endParaRPr sz="1200" b="0" i="0" u="none" strike="noStrike" cap="none">
               <a:solidFill>
@@ -1453,7 +1484,7 @@
 </file>
 
 <file path=ppt/notesSlides/notesSlide1.xml><?xml version="1.0" encoding="utf-8"?>
-<p:notes xmlns:a="http://schemas.openxmlformats.org/drawingml/2006/main" xmlns:r="http://schemas.openxmlformats.org/officeDocument/2006/relationships" xmlns:p="http://schemas.openxmlformats.org/presentationml/2006/main" showMasterPhAnim="0" showMasterSp="0">
+<p:notes xmlns:a="http://schemas.openxmlformats.org/drawingml/2006/main" xmlns:r="http://schemas.openxmlformats.org/officeDocument/2006/relationships" xmlns:p="http://schemas.openxmlformats.org/presentationml/2006/main" showMasterSp="0" showMasterPhAnim="0">
   <p:cSld>
     <p:spTree>
       <p:nvGrpSpPr>
@@ -1562,6 +1593,7 @@
               <a:buSzPts val="1100"/>
               <a:buNone/>
             </a:pPr>
+            <a:endParaRPr/>
           </a:p>
         </p:txBody>
       </p:sp>
@@ -1574,7 +1606,7 @@
 </file>
 
 <file path=ppt/notesSlides/notesSlide2.xml><?xml version="1.0" encoding="utf-8"?>
-<p:notes xmlns:a="http://schemas.openxmlformats.org/drawingml/2006/main" xmlns:r="http://schemas.openxmlformats.org/officeDocument/2006/relationships" xmlns:p="http://schemas.openxmlformats.org/presentationml/2006/main" showMasterPhAnim="0" showMasterSp="0">
+<p:notes xmlns:a="http://schemas.openxmlformats.org/drawingml/2006/main" xmlns:r="http://schemas.openxmlformats.org/officeDocument/2006/relationships" xmlns:p="http://schemas.openxmlformats.org/presentationml/2006/main" showMasterSp="0" showMasterPhAnim="0">
   <p:cSld>
     <p:spTree>
       <p:nvGrpSpPr>
@@ -1696,7 +1728,7 @@
 </file>
 
 <file path=ppt/notesSlides/notesSlide3.xml><?xml version="1.0" encoding="utf-8"?>
-<p:notes xmlns:a="http://schemas.openxmlformats.org/drawingml/2006/main" xmlns:r="http://schemas.openxmlformats.org/officeDocument/2006/relationships" xmlns:p="http://schemas.openxmlformats.org/presentationml/2006/main" showMasterPhAnim="0" showMasterSp="0">
+<p:notes xmlns:a="http://schemas.openxmlformats.org/drawingml/2006/main" xmlns:r="http://schemas.openxmlformats.org/officeDocument/2006/relationships" xmlns:p="http://schemas.openxmlformats.org/presentationml/2006/main" showMasterSp="0" showMasterPhAnim="0">
   <p:cSld>
     <p:spTree>
       <p:nvGrpSpPr>
@@ -1813,7 +1845,6 @@
               <a:rPr lang="en-US"/>
               <a:t>我们先给大家介绍Micro体系，先让各位对Micro有一定的认知，尔后我们再介绍Go-Micro框架。这个时候可能有朋友就会有疑问了，Micro与Go-Micro的关系是什么，这个疑问我曾经也有过，我接下来就给大家解释。</a:t>
             </a:r>
-            <a:endParaRPr lang="en-US"/>
           </a:p>
           <a:p>
             <a:pPr marL="0" lvl="0" indent="0" algn="l" rtl="0">
@@ -1842,7 +1873,7 @@
 </file>
 
 <file path=ppt/notesSlides/notesSlide4.xml><?xml version="1.0" encoding="utf-8"?>
-<p:notes xmlns:a="http://schemas.openxmlformats.org/drawingml/2006/main" xmlns:r="http://schemas.openxmlformats.org/officeDocument/2006/relationships" xmlns:p="http://schemas.openxmlformats.org/presentationml/2006/main" showMasterPhAnim="0" showMasterSp="0">
+<p:notes xmlns:a="http://schemas.openxmlformats.org/drawingml/2006/main" xmlns:r="http://schemas.openxmlformats.org/officeDocument/2006/relationships" xmlns:p="http://schemas.openxmlformats.org/presentationml/2006/main" showMasterSp="0" showMasterPhAnim="0">
   <p:cSld>
     <p:spTree>
       <p:nvGrpSpPr>
@@ -1951,6 +1982,7 @@
               <a:buSzPts val="1100"/>
               <a:buNone/>
             </a:pPr>
+            <a:endParaRPr/>
           </a:p>
         </p:txBody>
       </p:sp>
@@ -1963,7 +1995,7 @@
 </file>
 
 <file path=ppt/notesSlides/notesSlide5.xml><?xml version="1.0" encoding="utf-8"?>
-<p:notes xmlns:a="http://schemas.openxmlformats.org/drawingml/2006/main" xmlns:r="http://schemas.openxmlformats.org/officeDocument/2006/relationships" xmlns:p="http://schemas.openxmlformats.org/presentationml/2006/main" showMasterPhAnim="0" showMasterSp="0">
+<p:notes xmlns:a="http://schemas.openxmlformats.org/drawingml/2006/main" xmlns:r="http://schemas.openxmlformats.org/officeDocument/2006/relationships" xmlns:p="http://schemas.openxmlformats.org/presentationml/2006/main" showMasterSp="0" showMasterPhAnim="0">
   <p:cSld>
     <p:spTree>
       <p:nvGrpSpPr>
@@ -2054,7 +2086,7 @@
               </a:spcAft>
               <a:buNone/>
             </a:pPr>
-            <a:endParaRPr lang="en-US"/>
+            <a:endParaRPr lang="en-US" dirty="0"/>
           </a:p>
         </p:txBody>
       </p:sp>
@@ -2098,6 +2130,7 @@
             </a:pPr>
             <a:fld id="{00000000-1234-1234-1234-123412341234}" type="slidenum">
               <a:rPr lang="en-US"/>
+              <a:t>5</a:t>
             </a:fld>
             <a:endParaRPr lang="en-US"/>
           </a:p>
@@ -2112,7 +2145,7 @@
 </file>
 
 <file path=ppt/notesSlides/notesSlide6.xml><?xml version="1.0" encoding="utf-8"?>
-<p:notes xmlns:a="http://schemas.openxmlformats.org/drawingml/2006/main" xmlns:r="http://schemas.openxmlformats.org/officeDocument/2006/relationships" xmlns:p="http://schemas.openxmlformats.org/presentationml/2006/main" showMasterPhAnim="0" showMasterSp="0">
+<p:notes xmlns:a="http://schemas.openxmlformats.org/drawingml/2006/main" xmlns:r="http://schemas.openxmlformats.org/officeDocument/2006/relationships" xmlns:p="http://schemas.openxmlformats.org/presentationml/2006/main" showMasterSp="0" showMasterPhAnim="0">
   <p:cSld>
     <p:spTree>
       <p:nvGrpSpPr>
@@ -2207,7 +2240,6 @@
               <a:rPr lang="en-US"/>
               <a:t>其实还有network、tunnel等网络相关的工具，但是还没正式发布，这里我们不讲。</a:t>
             </a:r>
-            <a:endParaRPr lang="en-US"/>
           </a:p>
         </p:txBody>
       </p:sp>
@@ -2251,6 +2283,7 @@
             </a:pPr>
             <a:fld id="{00000000-1234-1234-1234-123412341234}" type="slidenum">
               <a:rPr lang="en-US"/>
+              <a:t>6</a:t>
             </a:fld>
             <a:endParaRPr lang="en-US"/>
           </a:p>
@@ -2265,7 +2298,7 @@
 </file>
 
 <file path=ppt/notesSlides/notesSlide7.xml><?xml version="1.0" encoding="utf-8"?>
-<p:notes xmlns:a="http://schemas.openxmlformats.org/drawingml/2006/main" xmlns:r="http://schemas.openxmlformats.org/officeDocument/2006/relationships" xmlns:p="http://schemas.openxmlformats.org/presentationml/2006/main" showMasterPhAnim="0" showMasterSp="0">
+<p:notes xmlns:a="http://schemas.openxmlformats.org/drawingml/2006/main" xmlns:r="http://schemas.openxmlformats.org/officeDocument/2006/relationships" xmlns:p="http://schemas.openxmlformats.org/presentationml/2006/main" showMasterSp="0" showMasterPhAnim="0">
   <p:cSld>
     <p:spTree>
       <p:nvGrpSpPr>
@@ -2374,6 +2407,7 @@
               <a:buSzPts val="1100"/>
               <a:buNone/>
             </a:pPr>
+            <a:endParaRPr/>
           </a:p>
         </p:txBody>
       </p:sp>
@@ -2386,7 +2420,7 @@
 </file>
 
 <file path=ppt/slideLayouts/slideLayout1.xml><?xml version="1.0" encoding="utf-8"?>
-<p:sldLayout xmlns:a="http://schemas.openxmlformats.org/drawingml/2006/main" xmlns:r="http://schemas.openxmlformats.org/officeDocument/2006/relationships" xmlns:p="http://schemas.openxmlformats.org/presentationml/2006/main" type="obj" matchingName="Title Slide">
+<p:sldLayout xmlns:a="http://schemas.openxmlformats.org/drawingml/2006/main" xmlns:r="http://schemas.openxmlformats.org/officeDocument/2006/relationships" xmlns:p="http://schemas.openxmlformats.org/presentationml/2006/main" matchingName="Title Slide" type="obj">
   <p:cSld name="OBJECT">
     <p:spTree>
       <p:nvGrpSpPr>
@@ -2534,7 +2568,9 @@
               <a:defRPr/>
             </a:lvl9pPr>
           </a:lstStyle>
-          <a:p/>
+          <a:p>
+            <a:endParaRPr/>
+          </a:p>
         </p:txBody>
       </p:sp>
       <p:sp>
@@ -2665,7 +2701,9 @@
               <a:defRPr/>
             </a:lvl9pPr>
           </a:lstStyle>
-          <a:p/>
+          <a:p>
+            <a:endParaRPr/>
+          </a:p>
         </p:txBody>
       </p:sp>
       <p:sp>
@@ -2800,7 +2838,9 @@
               <a:defRPr/>
             </a:lvl9pPr>
           </a:lstStyle>
-          <a:p/>
+          <a:p>
+            <a:endParaRPr/>
+          </a:p>
         </p:txBody>
       </p:sp>
       <p:sp>
@@ -2935,7 +2975,9 @@
               <a:defRPr/>
             </a:lvl9pPr>
           </a:lstStyle>
-          <a:p/>
+          <a:p>
+            <a:endParaRPr/>
+          </a:p>
         </p:txBody>
       </p:sp>
       <p:sp>
@@ -3078,6 +3120,7 @@
             </a:pPr>
             <a:fld id="{00000000-1234-1234-1234-123412341234}" type="slidenum">
               <a:rPr lang="en-US"/>
+              <a:t>‹#›</a:t>
             </a:fld>
             <a:endParaRPr sz="1800">
               <a:latin typeface="Calibri" panose="020F0502020204030204"/>
@@ -3268,7 +3311,9 @@
               <a:defRPr sz="2400"/>
             </a:lvl9pPr>
           </a:lstStyle>
-          <a:p/>
+          <a:p>
+            <a:endParaRPr/>
+          </a:p>
         </p:txBody>
       </p:sp>
       <p:sp>
@@ -3426,7 +3471,9 @@
               <a:defRPr sz="1200"/>
             </a:lvl9pPr>
           </a:lstStyle>
-          <a:p/>
+          <a:p>
+            <a:endParaRPr/>
+          </a:p>
         </p:txBody>
       </p:sp>
       <p:sp>
@@ -3704,6 +3751,7 @@
             </a:pPr>
             <a:fld id="{00000000-1234-1234-1234-123412341234}" type="slidenum">
               <a:rPr lang="en-US"/>
+              <a:t>‹#›</a:t>
             </a:fld>
             <a:endParaRPr lang="en-US"/>
           </a:p>
@@ -3987,7 +4035,9 @@
               </a:defRPr>
             </a:lvl9pPr>
           </a:lstStyle>
-          <a:p/>
+          <a:p>
+            <a:endParaRPr/>
+          </a:p>
         </p:txBody>
       </p:sp>
       <p:sp>
@@ -4265,6 +4315,7 @@
             </a:pPr>
             <a:fld id="{00000000-1234-1234-1234-123412341234}" type="slidenum">
               <a:rPr lang="en-US"/>
+              <a:t>‹#›</a:t>
             </a:fld>
             <a:endParaRPr lang="en-US"/>
           </a:p>
@@ -4559,7 +4610,9 @@
               <a:defRPr sz="4200"/>
             </a:lvl9pPr>
           </a:lstStyle>
-          <a:p/>
+          <a:p>
+            <a:endParaRPr/>
+          </a:p>
         </p:txBody>
       </p:sp>
       <p:sp>
@@ -4717,7 +4770,9 @@
               <a:defRPr sz="2100"/>
             </a:lvl9pPr>
           </a:lstStyle>
-          <a:p/>
+          <a:p>
+            <a:endParaRPr/>
+          </a:p>
         </p:txBody>
       </p:sp>
       <p:sp>
@@ -4938,7 +4993,9 @@
               </a:defRPr>
             </a:lvl9pPr>
           </a:lstStyle>
-          <a:p/>
+          <a:p>
+            <a:endParaRPr/>
+          </a:p>
         </p:txBody>
       </p:sp>
       <p:sp>
@@ -5216,6 +5273,7 @@
             </a:pPr>
             <a:fld id="{00000000-1234-1234-1234-123412341234}" type="slidenum">
               <a:rPr lang="en-US"/>
+              <a:t>‹#›</a:t>
             </a:fld>
             <a:endParaRPr lang="en-US"/>
           </a:p>
@@ -5322,7 +5380,9 @@
               </a:defRPr>
             </a:lvl1pPr>
           </a:lstStyle>
-          <a:p/>
+          <a:p>
+            <a:endParaRPr/>
+          </a:p>
         </p:txBody>
       </p:sp>
       <p:sp>
@@ -5600,6 +5660,7 @@
             </a:pPr>
             <a:fld id="{00000000-1234-1234-1234-123412341234}" type="slidenum">
               <a:rPr lang="en-US"/>
+              <a:t>‹#›</a:t>
             </a:fld>
             <a:endParaRPr lang="en-US"/>
           </a:p>
@@ -5641,7 +5702,7 @@
 </file>
 
 <file path=ppt/slideLayouts/slideLayout14.xml><?xml version="1.0" encoding="utf-8"?>
-<p:sldLayout xmlns:a="http://schemas.openxmlformats.org/drawingml/2006/main" xmlns:r="http://schemas.openxmlformats.org/officeDocument/2006/relationships" xmlns:p="http://schemas.openxmlformats.org/presentationml/2006/main" type="blank" matchingName="Blank">
+<p:sldLayout xmlns:a="http://schemas.openxmlformats.org/drawingml/2006/main" xmlns:r="http://schemas.openxmlformats.org/officeDocument/2006/relationships" xmlns:p="http://schemas.openxmlformats.org/presentationml/2006/main" matchingName="Blank" type="blank">
   <p:cSld name="BLANK">
     <p:spTree>
       <p:nvGrpSpPr>
@@ -5932,6 +5993,7 @@
             </a:pPr>
             <a:fld id="{00000000-1234-1234-1234-123412341234}" type="slidenum">
               <a:rPr lang="en-US"/>
+              <a:t>‹#›</a:t>
             </a:fld>
             <a:endParaRPr lang="en-US"/>
           </a:p>
@@ -6125,7 +6187,9 @@
               <a:defRPr/>
             </a:lvl9pPr>
           </a:lstStyle>
-          <a:p/>
+          <a:p>
+            <a:endParaRPr/>
+          </a:p>
         </p:txBody>
       </p:sp>
       <p:sp>
@@ -6264,7 +6328,9 @@
               <a:defRPr/>
             </a:lvl9pPr>
           </a:lstStyle>
-          <a:p/>
+          <a:p>
+            <a:endParaRPr/>
+          </a:p>
         </p:txBody>
       </p:sp>
       <p:sp>
@@ -6399,7 +6465,9 @@
               <a:defRPr/>
             </a:lvl9pPr>
           </a:lstStyle>
-          <a:p/>
+          <a:p>
+            <a:endParaRPr/>
+          </a:p>
         </p:txBody>
       </p:sp>
       <p:sp>
@@ -6534,7 +6602,9 @@
               <a:defRPr/>
             </a:lvl9pPr>
           </a:lstStyle>
-          <a:p/>
+          <a:p>
+            <a:endParaRPr/>
+          </a:p>
         </p:txBody>
       </p:sp>
       <p:sp>
@@ -6677,6 +6747,7 @@
             </a:pPr>
             <a:fld id="{00000000-1234-1234-1234-123412341234}" type="slidenum">
               <a:rPr lang="en-US"/>
+              <a:t>‹#›</a:t>
             </a:fld>
             <a:endParaRPr sz="1800">
               <a:latin typeface="Calibri" panose="020F0502020204030204"/>
@@ -6928,7 +6999,9 @@
               <a:defRPr/>
             </a:lvl9pPr>
           </a:lstStyle>
-          <a:p/>
+          <a:p>
+            <a:endParaRPr/>
+          </a:p>
         </p:txBody>
       </p:sp>
       <p:sp>
@@ -7063,7 +7136,9 @@
               <a:defRPr/>
             </a:lvl9pPr>
           </a:lstStyle>
-          <a:p/>
+          <a:p>
+            <a:endParaRPr/>
+          </a:p>
         </p:txBody>
       </p:sp>
       <p:sp>
@@ -7198,7 +7273,9 @@
               <a:defRPr/>
             </a:lvl9pPr>
           </a:lstStyle>
-          <a:p/>
+          <a:p>
+            <a:endParaRPr/>
+          </a:p>
         </p:txBody>
       </p:sp>
       <p:sp>
@@ -7341,6 +7418,7 @@
             </a:pPr>
             <a:fld id="{00000000-1234-1234-1234-123412341234}" type="slidenum">
               <a:rPr lang="en-US"/>
+              <a:t>‹#›</a:t>
             </a:fld>
             <a:endParaRPr sz="1800">
               <a:latin typeface="Calibri" panose="020F0502020204030204"/>
@@ -7730,7 +7808,9 @@
               <a:defRPr/>
             </a:lvl9pPr>
           </a:lstStyle>
-          <a:p/>
+          <a:p>
+            <a:endParaRPr/>
+          </a:p>
         </p:txBody>
       </p:sp>
       <p:sp>
@@ -7861,7 +7941,9 @@
               <a:defRPr/>
             </a:lvl9pPr>
           </a:lstStyle>
-          <a:p/>
+          <a:p>
+            <a:endParaRPr/>
+          </a:p>
         </p:txBody>
       </p:sp>
       <p:sp>
@@ -7992,7 +8074,9 @@
               <a:defRPr/>
             </a:lvl9pPr>
           </a:lstStyle>
-          <a:p/>
+          <a:p>
+            <a:endParaRPr/>
+          </a:p>
         </p:txBody>
       </p:sp>
       <p:sp>
@@ -8127,7 +8211,9 @@
               <a:defRPr/>
             </a:lvl9pPr>
           </a:lstStyle>
-          <a:p/>
+          <a:p>
+            <a:endParaRPr/>
+          </a:p>
         </p:txBody>
       </p:sp>
       <p:sp>
@@ -8262,7 +8348,9 @@
               <a:defRPr/>
             </a:lvl9pPr>
           </a:lstStyle>
-          <a:p/>
+          <a:p>
+            <a:endParaRPr/>
+          </a:p>
         </p:txBody>
       </p:sp>
       <p:sp>
@@ -8405,6 +8493,7 @@
             </a:pPr>
             <a:fld id="{00000000-1234-1234-1234-123412341234}" type="slidenum">
               <a:rPr lang="en-US"/>
+              <a:t>‹#›</a:t>
             </a:fld>
             <a:endParaRPr sz="1800">
               <a:latin typeface="Calibri" panose="020F0502020204030204"/>
@@ -8580,7 +8669,9 @@
               <a:defRPr/>
             </a:lvl9pPr>
           </a:lstStyle>
-          <a:p/>
+          <a:p>
+            <a:endParaRPr/>
+          </a:p>
         </p:txBody>
       </p:sp>
       <p:sp>
@@ -8715,7 +8806,9 @@
               <a:defRPr/>
             </a:lvl9pPr>
           </a:lstStyle>
-          <a:p/>
+          <a:p>
+            <a:endParaRPr/>
+          </a:p>
         </p:txBody>
       </p:sp>
       <p:sp>
@@ -8858,6 +8951,7 @@
             </a:pPr>
             <a:fld id="{00000000-1234-1234-1234-123412341234}" type="slidenum">
               <a:rPr lang="en-US"/>
+              <a:t>‹#›</a:t>
             </a:fld>
             <a:endParaRPr sz="1800">
               <a:latin typeface="Calibri" panose="020F0502020204030204"/>
@@ -8877,7 +8971,7 @@
 </file>
 
 <file path=ppt/slideLayouts/slideLayout6.xml><?xml version="1.0" encoding="utf-8"?>
-<p:sldLayout xmlns:a="http://schemas.openxmlformats.org/drawingml/2006/main" xmlns:r="http://schemas.openxmlformats.org/officeDocument/2006/relationships" xmlns:p="http://schemas.openxmlformats.org/presentationml/2006/main" type="title" matchingName="Title slide">
+<p:sldLayout xmlns:a="http://schemas.openxmlformats.org/drawingml/2006/main" xmlns:r="http://schemas.openxmlformats.org/officeDocument/2006/relationships" xmlns:p="http://schemas.openxmlformats.org/presentationml/2006/main" matchingName="Title slide" type="title">
   <p:cSld name="TITLE">
     <p:spTree>
       <p:nvGrpSpPr>
@@ -9234,7 +9328,9 @@
               <a:defRPr sz="5400"/>
             </a:lvl9pPr>
           </a:lstStyle>
-          <a:p/>
+          <a:p>
+            <a:endParaRPr/>
+          </a:p>
         </p:txBody>
       </p:sp>
       <p:sp>
@@ -9392,7 +9488,9 @@
               <a:defRPr sz="2400"/>
             </a:lvl9pPr>
           </a:lstStyle>
-          <a:p/>
+          <a:p>
+            <a:endParaRPr/>
+          </a:p>
         </p:txBody>
       </p:sp>
       <p:sp>
@@ -9670,6 +9768,7 @@
             </a:pPr>
             <a:fld id="{00000000-1234-1234-1234-123412341234}" type="slidenum">
               <a:rPr lang="en-US"/>
+              <a:t>‹#›</a:t>
             </a:fld>
             <a:endParaRPr lang="en-US"/>
           </a:p>
@@ -9711,7 +9810,7 @@
 </file>
 
 <file path=ppt/slideLayouts/slideLayout7.xml><?xml version="1.0" encoding="utf-8"?>
-<p:sldLayout xmlns:a="http://schemas.openxmlformats.org/drawingml/2006/main" xmlns:r="http://schemas.openxmlformats.org/officeDocument/2006/relationships" xmlns:p="http://schemas.openxmlformats.org/presentationml/2006/main" type="tx" matchingName="Title and body">
+<p:sldLayout xmlns:a="http://schemas.openxmlformats.org/drawingml/2006/main" xmlns:r="http://schemas.openxmlformats.org/officeDocument/2006/relationships" xmlns:p="http://schemas.openxmlformats.org/presentationml/2006/main" matchingName="Title and body" type="tx">
   <p:cSld name="TITLE_AND_BODY">
     <p:spTree>
       <p:nvGrpSpPr>
@@ -9938,7 +10037,9 @@
               <a:defRPr/>
             </a:lvl9pPr>
           </a:lstStyle>
-          <a:p/>
+          <a:p>
+            <a:endParaRPr/>
+          </a:p>
         </p:txBody>
       </p:sp>
       <p:sp>
@@ -10096,7 +10197,9 @@
               <a:defRPr/>
             </a:lvl9pPr>
           </a:lstStyle>
-          <a:p/>
+          <a:p>
+            <a:endParaRPr/>
+          </a:p>
         </p:txBody>
       </p:sp>
       <p:sp>
@@ -10374,6 +10477,7 @@
             </a:pPr>
             <a:fld id="{00000000-1234-1234-1234-123412341234}" type="slidenum">
               <a:rPr lang="en-US"/>
+              <a:t>‹#›</a:t>
             </a:fld>
             <a:endParaRPr lang="en-US"/>
           </a:p>
@@ -10415,7 +10519,7 @@
 </file>
 
 <file path=ppt/slideLayouts/slideLayout8.xml><?xml version="1.0" encoding="utf-8"?>
-<p:sldLayout xmlns:a="http://schemas.openxmlformats.org/drawingml/2006/main" xmlns:r="http://schemas.openxmlformats.org/officeDocument/2006/relationships" xmlns:p="http://schemas.openxmlformats.org/presentationml/2006/main" type="secHead" matchingName="Section header">
+<p:sldLayout xmlns:a="http://schemas.openxmlformats.org/drawingml/2006/main" xmlns:r="http://schemas.openxmlformats.org/officeDocument/2006/relationships" xmlns:p="http://schemas.openxmlformats.org/presentationml/2006/main" matchingName="Section header" type="secHead">
   <p:cSld name="SECTION_HEADER">
     <p:spTree>
       <p:nvGrpSpPr>
@@ -10642,7 +10746,9 @@
               <a:defRPr/>
             </a:lvl9pPr>
           </a:lstStyle>
-          <a:p/>
+          <a:p>
+            <a:endParaRPr/>
+          </a:p>
         </p:txBody>
       </p:sp>
       <p:sp>
@@ -10920,6 +11026,7 @@
             </a:pPr>
             <a:fld id="{00000000-1234-1234-1234-123412341234}" type="slidenum">
               <a:rPr lang="en-US"/>
+              <a:t>‹#›</a:t>
             </a:fld>
             <a:endParaRPr lang="en-US"/>
           </a:p>
@@ -10961,7 +11068,7 @@
 </file>
 
 <file path=ppt/slideLayouts/slideLayout9.xml><?xml version="1.0" encoding="utf-8"?>
-<p:sldLayout xmlns:a="http://schemas.openxmlformats.org/drawingml/2006/main" xmlns:r="http://schemas.openxmlformats.org/officeDocument/2006/relationships" xmlns:p="http://schemas.openxmlformats.org/presentationml/2006/main" type="twoColTx" matchingName="Go 夜读（中浅蓝）">
+<p:sldLayout xmlns:a="http://schemas.openxmlformats.org/drawingml/2006/main" xmlns:r="http://schemas.openxmlformats.org/officeDocument/2006/relationships" xmlns:p="http://schemas.openxmlformats.org/presentationml/2006/main" matchingName="Go 夜读（中浅蓝）" type="twoColTx">
   <p:cSld name="TITLE_AND_TWO_COLUMNS">
     <p:spTree>
       <p:nvGrpSpPr>
@@ -11132,7 +11239,9 @@
               <a:defRPr/>
             </a:lvl9pPr>
           </a:lstStyle>
-          <a:p/>
+          <a:p>
+            <a:endParaRPr/>
+          </a:p>
         </p:txBody>
       </p:sp>
       <p:sp>
@@ -11290,7 +11399,9 @@
               <a:defRPr sz="1200"/>
             </a:lvl9pPr>
           </a:lstStyle>
-          <a:p/>
+          <a:p>
+            <a:endParaRPr/>
+          </a:p>
         </p:txBody>
       </p:sp>
       <p:sp>
@@ -11448,7 +11559,9 @@
               <a:defRPr sz="1200"/>
             </a:lvl9pPr>
           </a:lstStyle>
-          <a:p/>
+          <a:p>
+            <a:endParaRPr/>
+          </a:p>
         </p:txBody>
       </p:sp>
       <p:sp>
@@ -11726,6 +11839,7 @@
             </a:pPr>
             <a:fld id="{00000000-1234-1234-1234-123412341234}" type="slidenum">
               <a:rPr lang="en-US"/>
+              <a:t>‹#›</a:t>
             </a:fld>
             <a:endParaRPr lang="en-US"/>
           </a:p>
@@ -11993,7 +12107,9 @@
               <a:defRPr sz="1800"/>
             </a:lvl9pPr>
           </a:lstStyle>
-          <a:p/>
+          <a:p>
+            <a:endParaRPr/>
+          </a:p>
         </p:txBody>
       </p:sp>
       <p:sp>
@@ -12172,7 +12288,9 @@
               </a:defRPr>
             </a:lvl9pPr>
           </a:lstStyle>
-          <a:p/>
+          <a:p>
+            <a:endParaRPr/>
+          </a:p>
         </p:txBody>
       </p:sp>
       <p:sp>
@@ -12375,7 +12493,9 @@
               </a:defRPr>
             </a:lvl9pPr>
           </a:lstStyle>
-          <a:p/>
+          <a:p>
+            <a:endParaRPr/>
+          </a:p>
         </p:txBody>
       </p:sp>
       <p:sp>
@@ -12578,7 +12698,9 @@
               </a:defRPr>
             </a:lvl9pPr>
           </a:lstStyle>
-          <a:p/>
+          <a:p>
+            <a:endParaRPr/>
+          </a:p>
         </p:txBody>
       </p:sp>
       <p:sp>
@@ -12757,6 +12879,7 @@
             </a:pPr>
             <a:fld id="{00000000-1234-1234-1234-123412341234}" type="slidenum">
               <a:rPr lang="en-US"/>
+              <a:t>‹#›</a:t>
             </a:fld>
             <a:endParaRPr b="0" u="none"/>
           </a:p>
@@ -13753,7 +13876,9 @@
               </a:defRPr>
             </a:lvl9pPr>
           </a:lstStyle>
-          <a:p/>
+          <a:p>
+            <a:endParaRPr/>
+          </a:p>
         </p:txBody>
       </p:sp>
       <p:sp>
@@ -14019,7 +14144,9 @@
               </a:defRPr>
             </a:lvl9pPr>
           </a:lstStyle>
-          <a:p/>
+          <a:p>
+            <a:endParaRPr/>
+          </a:p>
         </p:txBody>
       </p:sp>
       <p:sp>
@@ -14297,6 +14424,7 @@
             </a:pPr>
             <a:fld id="{00000000-1234-1234-1234-123412341234}" type="slidenum">
               <a:rPr lang="en-US"/>
+              <a:t>‹#›</a:t>
             </a:fld>
             <a:endParaRPr lang="en-US"/>
           </a:p>
@@ -14309,7 +14437,7 @@
           <p:nvPr/>
         </p:nvPicPr>
         <p:blipFill rotWithShape="1">
-          <a:blip r:embed="rId10"/>
+          <a:blip r:embed="rId11"/>
           <a:srcRect/>
           <a:stretch>
             <a:fillRect/>
@@ -15159,9 +15287,6 @@
               </a:rPr>
               <a:t>中国</a:t>
             </a:r>
-            <a:endParaRPr lang="zh-CN" altLang="en-US">
-              <a:ea typeface="宋体" panose="02010600030101010101" pitchFamily="2" charset="-122"/>
-            </a:endParaRPr>
           </a:p>
           <a:p>
             <a:pPr marL="0" lvl="0" indent="0" algn="ctr" rtl="0">
@@ -15241,6 +15366,7 @@
             </a:pPr>
             <a:fld id="{00000000-1234-1234-1234-123412341234}" type="slidenum">
               <a:rPr lang="en-US"/>
+              <a:t>1</a:t>
             </a:fld>
             <a:endParaRPr lang="en-US"/>
           </a:p>
@@ -15369,6 +15495,7 @@
             </a:pPr>
             <a:fld id="{00000000-1234-1234-1234-123412341234}" type="slidenum">
               <a:rPr lang="en-US"/>
+              <a:t>2</a:t>
             </a:fld>
             <a:endParaRPr lang="en-US"/>
           </a:p>
@@ -15487,7 +15614,7 @@
             <a:pPr marL="12700" lvl="0"/>
             <a:r>
               <a:rPr lang="en-US">
-                <a:hlinkClick r:id="rId1"/>
+                <a:hlinkClick r:id="rId3"/>
               </a:rPr>
               <a:t>https://github.com/micro-in-cn</a:t>
             </a:r>
@@ -15584,7 +15711,7 @@
           <p:nvPr/>
         </p:nvPicPr>
         <p:blipFill>
-          <a:blip r:embed="rId2"/>
+          <a:blip r:embed="rId4"/>
           <a:stretch>
             <a:fillRect/>
           </a:stretch>
@@ -15608,7 +15735,7 @@
           <p:nvPr/>
         </p:nvPicPr>
         <p:blipFill>
-          <a:blip r:embed="rId3"/>
+          <a:blip r:embed="rId5"/>
           <a:stretch>
             <a:fillRect/>
           </a:stretch>
@@ -15687,7 +15814,6 @@
               <a:rPr kumimoji="1" lang="zh-CN" altLang="en-US"/>
               <a:t>中国公众号</a:t>
             </a:r>
-            <a:endParaRPr kumimoji="1" lang="zh-CN" altLang="en-US"/>
           </a:p>
         </p:txBody>
       </p:sp>
@@ -15762,7 +15888,6 @@
               <a:rPr lang="en-US"/>
               <a:t>主题</a:t>
             </a:r>
-            <a:endParaRPr lang="en-US"/>
           </a:p>
         </p:txBody>
       </p:sp>
@@ -15810,6 +15935,7 @@
             </a:pPr>
             <a:fld id="{00000000-1234-1234-1234-123412341234}" type="slidenum">
               <a:rPr lang="en-US"/>
+              <a:t>3</a:t>
             </a:fld>
             <a:endParaRPr lang="en-US"/>
           </a:p>
@@ -16033,15 +16159,6 @@
               </a:rPr>
               <a:t>API</a:t>
             </a:r>
-            <a:endParaRPr lang="en-US" altLang="zh-CN">
-              <a:solidFill>
-                <a:srgbClr val="424242"/>
-              </a:solidFill>
-              <a:latin typeface="Courier New" panose="02070309020205020404"/>
-              <a:ea typeface="Courier New" panose="02070309020205020404"/>
-              <a:cs typeface="Courier New" panose="02070309020205020404"/>
-              <a:sym typeface="Courier New" panose="02070309020205020404"/>
-            </a:endParaRPr>
           </a:p>
           <a:p>
             <a:pPr marL="355600" indent="-342900">
@@ -16073,15 +16190,6 @@
               </a:rPr>
               <a:t>Broker</a:t>
             </a:r>
-            <a:endParaRPr lang="en-US" altLang="zh-CN">
-              <a:solidFill>
-                <a:srgbClr val="424242"/>
-              </a:solidFill>
-              <a:latin typeface="Courier New" panose="02070309020205020404"/>
-              <a:ea typeface="Courier New" panose="02070309020205020404"/>
-              <a:cs typeface="Courier New" panose="02070309020205020404"/>
-              <a:sym typeface="Courier New" panose="02070309020205020404"/>
-            </a:endParaRPr>
           </a:p>
           <a:p>
             <a:pPr marL="355600" lvl="0" indent="-342900">
@@ -16113,15 +16221,6 @@
               </a:rPr>
               <a:t>Wrapper</a:t>
             </a:r>
-            <a:endParaRPr lang="en-US" altLang="zh-CN" sz="1400" b="0" i="0" u="none" strike="noStrike" cap="none">
-              <a:solidFill>
-                <a:srgbClr val="424242"/>
-              </a:solidFill>
-              <a:latin typeface="Courier New" panose="02070309020205020404"/>
-              <a:ea typeface="Courier New" panose="02070309020205020404"/>
-              <a:cs typeface="Courier New" panose="02070309020205020404"/>
-              <a:sym typeface="Courier New" panose="02070309020205020404"/>
-            </a:endParaRPr>
           </a:p>
           <a:p>
             <a:pPr marL="355600" marR="0" lvl="0" indent="-342900" algn="l" rtl="0">
@@ -16205,15 +16304,6 @@
               </a:rPr>
               <a:t>网关浅讲</a:t>
             </a:r>
-            <a:endParaRPr lang="zh-CN" altLang="en-US">
-              <a:solidFill>
-                <a:srgbClr val="424242"/>
-              </a:solidFill>
-              <a:latin typeface="Courier New" panose="02070309020205020404"/>
-              <a:ea typeface="Courier New" panose="02070309020205020404"/>
-              <a:cs typeface="Courier New" panose="02070309020205020404"/>
-              <a:sym typeface="Courier New" panose="02070309020205020404"/>
-            </a:endParaRPr>
           </a:p>
           <a:p>
             <a:pPr marL="355600" lvl="0" indent="-342900">
@@ -16245,15 +16335,6 @@
               </a:rPr>
               <a:t>Zap）</a:t>
             </a:r>
-            <a:endParaRPr lang="en-US">
-              <a:solidFill>
-                <a:srgbClr val="424242"/>
-              </a:solidFill>
-              <a:latin typeface="Courier New" panose="02070309020205020404"/>
-              <a:ea typeface="Courier New" panose="02070309020205020404"/>
-              <a:cs typeface="Courier New" panose="02070309020205020404"/>
-              <a:sym typeface="Courier New" panose="02070309020205020404"/>
-            </a:endParaRPr>
           </a:p>
         </p:txBody>
       </p:sp>
@@ -16380,6 +16461,7 @@
             </a:pPr>
             <a:fld id="{00000000-1234-1234-1234-123412341234}" type="slidenum">
               <a:rPr lang="en-US"/>
+              <a:t>4</a:t>
             </a:fld>
             <a:endParaRPr lang="en-US"/>
           </a:p>
@@ -16461,7 +16543,7 @@
           <p:nvPr/>
         </p:nvPicPr>
         <p:blipFill>
-          <a:blip r:embed="rId1"/>
+          <a:blip r:embed="rId3"/>
           <a:stretch>
             <a:fillRect/>
           </a:stretch>
@@ -17078,6 +17160,81 @@
           </a:p>
         </p:txBody>
       </p:sp>
+      <p:sp>
+        <p:nvSpPr>
+          <p:cNvPr id="2" name="AutoShape 2">
+            <a:extLst>
+              <a:ext uri="{FF2B5EF4-FFF2-40B4-BE49-F238E27FC236}">
+                <a16:creationId xmlns:a16="http://schemas.microsoft.com/office/drawing/2014/main" id="{2DD25124-AE29-441C-A0A9-21DAE5C49CFA}"/>
+              </a:ext>
+            </a:extLst>
+          </p:cNvPr>
+          <p:cNvSpPr>
+            <a:spLocks noChangeAspect="1" noChangeArrowheads="1"/>
+          </p:cNvSpPr>
+          <p:nvPr/>
+        </p:nvSpPr>
+        <p:spPr bwMode="auto">
+          <a:xfrm>
+            <a:off x="4419600" y="2419350"/>
+            <a:ext cx="304800" cy="304800"/>
+          </a:xfrm>
+          <a:prstGeom prst="rect">
+            <a:avLst/>
+          </a:prstGeom>
+          <a:noFill/>
+          <a:extLst>
+            <a:ext uri="{909E8E84-426E-40DD-AFC4-6F175D3DCCD1}">
+              <a14:hiddenFill xmlns:a14="http://schemas.microsoft.com/office/drawing/2010/main">
+                <a:solidFill>
+                  <a:srgbClr val="FFFFFF"/>
+                </a:solidFill>
+              </a14:hiddenFill>
+            </a:ext>
+          </a:extLst>
+        </p:spPr>
+        <p:txBody>
+          <a:bodyPr vert="horz" wrap="square" lIns="91440" tIns="45720" rIns="91440" bIns="45720" numCol="1" anchor="t" anchorCtr="0" compatLnSpc="1">
+            <a:prstTxWarp prst="textNoShape">
+              <a:avLst/>
+            </a:prstTxWarp>
+          </a:bodyPr>
+          <a:lstStyle/>
+          <a:p>
+            <a:endParaRPr lang="zh-CN" altLang="en-US"/>
+          </a:p>
+        </p:txBody>
+      </p:sp>
+      <p:pic>
+        <p:nvPicPr>
+          <p:cNvPr id="3" name="Picture 2">
+            <a:extLst>
+              <a:ext uri="{FF2B5EF4-FFF2-40B4-BE49-F238E27FC236}">
+                <a16:creationId xmlns:a16="http://schemas.microsoft.com/office/drawing/2014/main" id="{34C6F4AF-003A-4630-8B6B-ECD54B9E4D39}"/>
+              </a:ext>
+            </a:extLst>
+          </p:cNvPr>
+          <p:cNvPicPr>
+            <a:picLocks noChangeAspect="1"/>
+          </p:cNvPicPr>
+          <p:nvPr/>
+        </p:nvPicPr>
+        <p:blipFill>
+          <a:blip r:embed="rId3"/>
+          <a:stretch>
+            <a:fillRect/>
+          </a:stretch>
+        </p:blipFill>
+        <p:spPr>
+          <a:xfrm>
+            <a:off x="1219451" y="1152425"/>
+            <a:ext cx="6400298" cy="3621416"/>
+          </a:xfrm>
+          <a:prstGeom prst="rect">
+            <a:avLst/>
+          </a:prstGeom>
+        </p:spPr>
+      </p:pic>
     </p:spTree>
   </p:cSld>
   <p:clrMapOvr>
@@ -17087,6 +17244,277 @@
 </file>
 
 <file path=ppt/slides/slide7.xml><?xml version="1.0" encoding="utf-8"?>
+<p:sld xmlns:a="http://schemas.openxmlformats.org/drawingml/2006/main" xmlns:r="http://schemas.openxmlformats.org/officeDocument/2006/relationships" xmlns:p="http://schemas.openxmlformats.org/presentationml/2006/main">
+  <p:cSld>
+    <p:spTree>
+      <p:nvGrpSpPr>
+        <p:cNvPr id="1" name=""/>
+        <p:cNvGrpSpPr/>
+        <p:nvPr/>
+      </p:nvGrpSpPr>
+      <p:grpSpPr>
+        <a:xfrm>
+          <a:off x="0" y="0"/>
+          <a:ext cx="0" cy="0"/>
+          <a:chOff x="0" y="0"/>
+          <a:chExt cx="0" cy="0"/>
+        </a:xfrm>
+      </p:grpSpPr>
+      <p:sp>
+        <p:nvSpPr>
+          <p:cNvPr id="2" name="Title 1">
+            <a:extLst>
+              <a:ext uri="{FF2B5EF4-FFF2-40B4-BE49-F238E27FC236}">
+                <a16:creationId xmlns:a16="http://schemas.microsoft.com/office/drawing/2014/main" id="{FBA7990D-CCEB-4F5A-B787-4521DB395459}"/>
+              </a:ext>
+            </a:extLst>
+          </p:cNvPr>
+          <p:cNvSpPr>
+            <a:spLocks noGrp="1"/>
+          </p:cNvSpPr>
+          <p:nvPr>
+            <p:ph type="title"/>
+          </p:nvPr>
+        </p:nvSpPr>
+        <p:spPr/>
+        <p:txBody>
+          <a:bodyPr/>
+          <a:lstStyle/>
+          <a:p>
+            <a:r>
+              <a:rPr lang="zh-CN" altLang="en-US" dirty="0"/>
+              <a:t>服务类型</a:t>
+            </a:r>
+          </a:p>
+        </p:txBody>
+      </p:sp>
+      <p:sp>
+        <p:nvSpPr>
+          <p:cNvPr id="3" name="Text Placeholder 2">
+            <a:extLst>
+              <a:ext uri="{FF2B5EF4-FFF2-40B4-BE49-F238E27FC236}">
+                <a16:creationId xmlns:a16="http://schemas.microsoft.com/office/drawing/2014/main" id="{657B025B-0577-4EB7-97AE-FEC6F127BCCE}"/>
+              </a:ext>
+            </a:extLst>
+          </p:cNvPr>
+          <p:cNvSpPr>
+            <a:spLocks noGrp="1"/>
+          </p:cNvSpPr>
+          <p:nvPr>
+            <p:ph type="body" idx="1"/>
+          </p:nvPr>
+        </p:nvSpPr>
+        <p:spPr>
+          <a:xfrm>
+            <a:off x="311700" y="1266325"/>
+            <a:ext cx="8520600" cy="1236595"/>
+          </a:xfrm>
+        </p:spPr>
+        <p:txBody>
+          <a:bodyPr/>
+          <a:lstStyle/>
+          <a:p>
+            <a:r>
+              <a:rPr lang="en-US" altLang="zh-CN" dirty="0"/>
+              <a:t>SRV</a:t>
+            </a:r>
+            <a:r>
+              <a:rPr lang="zh-CN" altLang="en-US" dirty="0"/>
+              <a:t>：内部</a:t>
+            </a:r>
+            <a:r>
+              <a:rPr lang="en-US" altLang="zh-CN" dirty="0"/>
+              <a:t>RPC</a:t>
+            </a:r>
+            <a:r>
+              <a:rPr lang="zh-CN" altLang="en-US" dirty="0"/>
+              <a:t>服务</a:t>
+            </a:r>
+            <a:endParaRPr lang="en-US" altLang="zh-CN" dirty="0"/>
+          </a:p>
+          <a:p>
+            <a:r>
+              <a:rPr lang="en-US" altLang="zh-CN" dirty="0"/>
+              <a:t>API</a:t>
+            </a:r>
+            <a:r>
+              <a:rPr lang="zh-CN" altLang="en-US" dirty="0"/>
+              <a:t>：对外</a:t>
+            </a:r>
+            <a:r>
+              <a:rPr lang="en-US" altLang="zh-CN" dirty="0"/>
+              <a:t>API</a:t>
+            </a:r>
+            <a:r>
+              <a:rPr lang="zh-CN" altLang="en-US" dirty="0"/>
+              <a:t>服务</a:t>
+            </a:r>
+            <a:endParaRPr lang="en-US" altLang="zh-CN" dirty="0"/>
+          </a:p>
+          <a:p>
+            <a:r>
+              <a:rPr lang="en-US" altLang="zh-CN" dirty="0"/>
+              <a:t>Web</a:t>
+            </a:r>
+            <a:r>
+              <a:rPr lang="zh-CN" altLang="en-US" dirty="0"/>
+              <a:t>：对外</a:t>
+            </a:r>
+            <a:r>
+              <a:rPr lang="en-US" altLang="zh-CN" dirty="0"/>
+              <a:t>Web</a:t>
+            </a:r>
+            <a:r>
+              <a:rPr lang="zh-CN" altLang="en-US" dirty="0"/>
+              <a:t>服务</a:t>
+            </a:r>
+          </a:p>
+        </p:txBody>
+      </p:sp>
+    </p:spTree>
+    <p:extLst>
+      <p:ext uri="{BB962C8B-B14F-4D97-AF65-F5344CB8AC3E}">
+        <p14:creationId xmlns:p14="http://schemas.microsoft.com/office/powerpoint/2010/main" val="1166602384"/>
+      </p:ext>
+    </p:extLst>
+  </p:cSld>
+  <p:clrMapOvr>
+    <a:masterClrMapping/>
+  </p:clrMapOvr>
+</p:sld>
+</file>
+
+<file path=ppt/slides/slide8.xml><?xml version="1.0" encoding="utf-8"?>
+<p:sld xmlns:a="http://schemas.openxmlformats.org/drawingml/2006/main" xmlns:r="http://schemas.openxmlformats.org/officeDocument/2006/relationships" xmlns:p="http://schemas.openxmlformats.org/presentationml/2006/main">
+  <p:cSld>
+    <p:spTree>
+      <p:nvGrpSpPr>
+        <p:cNvPr id="1" name=""/>
+        <p:cNvGrpSpPr/>
+        <p:nvPr/>
+      </p:nvGrpSpPr>
+      <p:grpSpPr>
+        <a:xfrm>
+          <a:off x="0" y="0"/>
+          <a:ext cx="0" cy="0"/>
+          <a:chOff x="0" y="0"/>
+          <a:chExt cx="0" cy="0"/>
+        </a:xfrm>
+      </p:grpSpPr>
+      <p:sp>
+        <p:nvSpPr>
+          <p:cNvPr id="2" name="Title 1">
+            <a:extLst>
+              <a:ext uri="{FF2B5EF4-FFF2-40B4-BE49-F238E27FC236}">
+                <a16:creationId xmlns:a16="http://schemas.microsoft.com/office/drawing/2014/main" id="{F287E525-32E8-4095-9469-DFE4A0958F7A}"/>
+              </a:ext>
+            </a:extLst>
+          </p:cNvPr>
+          <p:cNvSpPr>
+            <a:spLocks noGrp="1"/>
+          </p:cNvSpPr>
+          <p:nvPr>
+            <p:ph type="title"/>
+          </p:nvPr>
+        </p:nvSpPr>
+        <p:spPr/>
+        <p:txBody>
+          <a:bodyPr/>
+          <a:lstStyle/>
+          <a:p>
+            <a:r>
+              <a:rPr lang="en-US" altLang="zh-CN" dirty="0"/>
+              <a:t>SRV</a:t>
+            </a:r>
+            <a:endParaRPr lang="zh-CN" altLang="en-US" dirty="0"/>
+          </a:p>
+        </p:txBody>
+      </p:sp>
+      <p:sp>
+        <p:nvSpPr>
+          <p:cNvPr id="3" name="Text Placeholder 2">
+            <a:extLst>
+              <a:ext uri="{FF2B5EF4-FFF2-40B4-BE49-F238E27FC236}">
+                <a16:creationId xmlns:a16="http://schemas.microsoft.com/office/drawing/2014/main" id="{BF7136AF-BB23-4CF8-9AA6-D4E86332C11C}"/>
+              </a:ext>
+            </a:extLst>
+          </p:cNvPr>
+          <p:cNvSpPr>
+            <a:spLocks noGrp="1"/>
+          </p:cNvSpPr>
+          <p:nvPr>
+            <p:ph type="body" idx="1"/>
+          </p:nvPr>
+        </p:nvSpPr>
+        <p:spPr>
+          <a:xfrm>
+            <a:off x="311700" y="1266325"/>
+            <a:ext cx="4053392" cy="3302700"/>
+          </a:xfrm>
+        </p:spPr>
+        <p:txBody>
+          <a:bodyPr/>
+          <a:lstStyle/>
+          <a:p>
+            <a:r>
+              <a:rPr lang="zh-CN" altLang="en-US" dirty="0"/>
+              <a:t>自定义</a:t>
+            </a:r>
+            <a:r>
+              <a:rPr lang="en-US" altLang="zh-CN" dirty="0"/>
+              <a:t>Proto</a:t>
+            </a:r>
+            <a:r>
+              <a:rPr lang="zh-CN" altLang="en-US" dirty="0"/>
+              <a:t>原型声明接口能力</a:t>
+            </a:r>
+          </a:p>
+        </p:txBody>
+      </p:sp>
+      <p:pic>
+        <p:nvPicPr>
+          <p:cNvPr id="8" name="Picture 7">
+            <a:extLst>
+              <a:ext uri="{FF2B5EF4-FFF2-40B4-BE49-F238E27FC236}">
+                <a16:creationId xmlns:a16="http://schemas.microsoft.com/office/drawing/2014/main" id="{1D6E32CE-8069-45E4-8972-9FB21F8E4A66}"/>
+              </a:ext>
+            </a:extLst>
+          </p:cNvPr>
+          <p:cNvPicPr>
+            <a:picLocks noChangeAspect="1"/>
+          </p:cNvPicPr>
+          <p:nvPr/>
+        </p:nvPicPr>
+        <p:blipFill>
+          <a:blip r:embed="rId2"/>
+          <a:stretch>
+            <a:fillRect/>
+          </a:stretch>
+        </p:blipFill>
+        <p:spPr>
+          <a:xfrm>
+            <a:off x="4646818" y="1504380"/>
+            <a:ext cx="4028571" cy="2561905"/>
+          </a:xfrm>
+          <a:prstGeom prst="rect">
+            <a:avLst/>
+          </a:prstGeom>
+        </p:spPr>
+      </p:pic>
+    </p:spTree>
+    <p:extLst>
+      <p:ext uri="{BB962C8B-B14F-4D97-AF65-F5344CB8AC3E}">
+        <p14:creationId xmlns:p14="http://schemas.microsoft.com/office/powerpoint/2010/main" val="2156313674"/>
+      </p:ext>
+    </p:extLst>
+  </p:cSld>
+  <p:clrMapOvr>
+    <a:masterClrMapping/>
+  </p:clrMapOvr>
+</p:sld>
+</file>
+
+<file path=ppt/slides/slide9.xml><?xml version="1.0" encoding="utf-8"?>
 <p:sld xmlns:a="http://schemas.openxmlformats.org/drawingml/2006/main" xmlns:r="http://schemas.openxmlformats.org/officeDocument/2006/relationships" xmlns:p="http://schemas.openxmlformats.org/presentationml/2006/main">
   <p:cSld>
     <p:spTree>
@@ -17149,7 +17577,6 @@
               <a:rPr lang="en-US"/>
               <a:t>谢谢大家</a:t>
             </a:r>
-            <a:endParaRPr lang="en-US"/>
           </a:p>
         </p:txBody>
       </p:sp>
@@ -17197,6 +17624,7 @@
             </a:pPr>
             <a:fld id="{00000000-1234-1234-1234-123412341234}" type="slidenum">
               <a:rPr lang="en-US"/>
+              <a:t>9</a:t>
             </a:fld>
             <a:endParaRPr lang="en-US"/>
           </a:p>
@@ -17248,7 +17676,7 @@
                 <a:ea typeface="Courier New" panose="02070309020205020404"/>
                 <a:cs typeface="Courier New" panose="02070309020205020404"/>
                 <a:sym typeface="Courier New" panose="02070309020205020404"/>
-                <a:hlinkClick r:id="rId1"/>
+                <a:hlinkClick r:id="rId3"/>
               </a:rPr>
               <a:t>micro.mu</a:t>
             </a:r>
@@ -17454,7 +17882,7 @@
           <p:nvPr/>
         </p:nvPicPr>
         <p:blipFill rotWithShape="1">
-          <a:blip r:embed="rId2"/>
+          <a:blip r:embed="rId4"/>
           <a:srcRect/>
           <a:stretch>
             <a:fillRect/>
@@ -17581,7 +18009,7 @@
                 <a:ea typeface="Courier New" panose="02070309020205020404"/>
                 <a:cs typeface="Courier New" panose="02070309020205020404"/>
                 <a:sym typeface="Courier New" panose="02070309020205020404"/>
-                <a:hlinkClick r:id="rId3"/>
+                <a:hlinkClick r:id="rId5"/>
               </a:rPr>
               <a:t>Micro</a:t>
             </a:r>
@@ -17617,7 +18045,7 @@
                 <a:ea typeface="Courier New" panose="02070309020205020404"/>
                 <a:cs typeface="Courier New" panose="02070309020205020404"/>
                 <a:sym typeface="Courier New" panose="02070309020205020404"/>
-                <a:hlinkClick r:id="rId4"/>
+                <a:hlinkClick r:id="rId6"/>
               </a:rPr>
               <a:t>Micro中国站</a:t>
             </a:r>
@@ -17665,7 +18093,7 @@
           <p:nvPr/>
         </p:nvPicPr>
         <p:blipFill>
-          <a:blip r:embed="rId5"/>
+          <a:blip r:embed="rId7"/>
           <a:stretch>
             <a:fillRect/>
           </a:stretch>

--- a/others/share/learning-go/【第二期】Go-Micro编写微服务.pptx
+++ b/others/share/learning-go/【第二期】Go-Micro编写微服务.pptx
@@ -38,29 +38,30 @@
     <p:sldId id="323" r:id="rId31"/>
     <p:sldId id="343" r:id="rId32"/>
     <p:sldId id="322" r:id="rId33"/>
-    <p:sldId id="345" r:id="rId34"/>
-    <p:sldId id="314" r:id="rId35"/>
-    <p:sldId id="315" r:id="rId36"/>
-    <p:sldId id="321" r:id="rId37"/>
-    <p:sldId id="288" r:id="rId38"/>
+    <p:sldId id="348" r:id="rId34"/>
+    <p:sldId id="345" r:id="rId35"/>
+    <p:sldId id="314" r:id="rId36"/>
+    <p:sldId id="315" r:id="rId37"/>
+    <p:sldId id="321" r:id="rId38"/>
+    <p:sldId id="288" r:id="rId39"/>
   </p:sldIdLst>
   <p:sldSz cx="9144000" cy="5143500" type="screen16x9"/>
   <p:notesSz cx="9144000" cy="5143500"/>
   <p:embeddedFontLst>
     <p:embeddedFont>
       <p:font typeface="Calibri" panose="020F0502020204030204"/>
-      <p:regular r:id="rId42"/>
-      <p:bold r:id="rId43"/>
-      <p:italic r:id="rId44"/>
-      <p:boldItalic r:id="rId45"/>
+      <p:regular r:id="rId43"/>
+      <p:bold r:id="rId44"/>
+      <p:italic r:id="rId45"/>
+      <p:boldItalic r:id="rId46"/>
     </p:embeddedFont>
     <p:embeddedFont>
       <p:font typeface="PT Sans Narrow" panose="020B0506020203020204"/>
-      <p:regular r:id="rId46"/>
+      <p:regular r:id="rId47"/>
     </p:embeddedFont>
     <p:embeddedFont>
       <p:font typeface="Open Sans" panose="020B0606030504020204"/>
-      <p:regular r:id="rId47"/>
+      <p:regular r:id="rId48"/>
     </p:embeddedFont>
   </p:embeddedFontLst>
   <p:defaultTextStyle>
@@ -22739,6 +22740,74 @@
   <p:cSld>
     <p:spTree>
       <p:nvGrpSpPr>
+        <p:cNvPr id="1" name=""/>
+        <p:cNvGrpSpPr/>
+        <p:nvPr/>
+      </p:nvGrpSpPr>
+      <p:grpSpPr/>
+      <p:sp>
+        <p:nvSpPr>
+          <p:cNvPr id="2" name="标题 1"/>
+          <p:cNvSpPr>
+            <a:spLocks noGrp="1"/>
+          </p:cNvSpPr>
+          <p:nvPr>
+            <p:ph type="title"/>
+          </p:nvPr>
+        </p:nvSpPr>
+        <p:spPr/>
+        <p:txBody>
+          <a:bodyPr/>
+          <a:p>
+            <a:r>
+              <a:rPr lang="en-US" altLang="zh-CN"/>
+              <a:t>Micro API </a:t>
+            </a:r>
+            <a:r>
+              <a:rPr lang="zh-CN" altLang="en-US"/>
+              <a:t>网关</a:t>
+            </a:r>
+            <a:endParaRPr lang="zh-CN" altLang="en-US"/>
+          </a:p>
+        </p:txBody>
+      </p:sp>
+      <p:pic>
+        <p:nvPicPr>
+          <p:cNvPr id="5" name="图片 4"/>
+          <p:cNvPicPr>
+            <a:picLocks noChangeAspect="1"/>
+          </p:cNvPicPr>
+          <p:nvPr/>
+        </p:nvPicPr>
+        <p:blipFill>
+          <a:blip r:embed="rId1"/>
+          <a:stretch>
+            <a:fillRect/>
+          </a:stretch>
+        </p:blipFill>
+        <p:spPr>
+          <a:xfrm>
+            <a:off x="4082415" y="1423670"/>
+            <a:ext cx="4700270" cy="2734310"/>
+          </a:xfrm>
+          <a:prstGeom prst="rect">
+            <a:avLst/>
+          </a:prstGeom>
+        </p:spPr>
+      </p:pic>
+    </p:spTree>
+  </p:cSld>
+  <p:clrMapOvr>
+    <a:masterClrMapping/>
+  </p:clrMapOvr>
+</p:sld>
+</file>
+
+<file path=ppt/slides/slide31.xml><?xml version="1.0" encoding="utf-8"?>
+<p:sld xmlns:a="http://schemas.openxmlformats.org/drawingml/2006/main" xmlns:r="http://schemas.openxmlformats.org/officeDocument/2006/relationships" xmlns:p="http://schemas.openxmlformats.org/presentationml/2006/main">
+  <p:cSld>
+    <p:spTree>
+      <p:nvGrpSpPr>
         <p:cNvPr id="1" name="Shape 174"/>
         <p:cNvGrpSpPr/>
         <p:nvPr/>
@@ -24940,7 +25009,7 @@
 </p:sld>
 </file>
 
-<file path=ppt/slides/slide31.xml><?xml version="1.0" encoding="utf-8"?>
+<file path=ppt/slides/slide32.xml><?xml version="1.0" encoding="utf-8"?>
 <p:sld xmlns:a="http://schemas.openxmlformats.org/drawingml/2006/main" xmlns:r="http://schemas.openxmlformats.org/officeDocument/2006/relationships" xmlns:p="http://schemas.openxmlformats.org/presentationml/2006/main">
   <p:cSld>
     <p:spTree>
@@ -25072,7 +25141,7 @@
 </p:sld>
 </file>
 
-<file path=ppt/slides/slide32.xml><?xml version="1.0" encoding="utf-8"?>
+<file path=ppt/slides/slide33.xml><?xml version="1.0" encoding="utf-8"?>
 <p:sld xmlns:a="http://schemas.openxmlformats.org/drawingml/2006/main" xmlns:r="http://schemas.openxmlformats.org/officeDocument/2006/relationships" xmlns:p="http://schemas.openxmlformats.org/presentationml/2006/main">
   <p:cSld>
     <p:spTree>
@@ -25214,7 +25283,7 @@
 </p:sld>
 </file>
 
-<file path=ppt/slides/slide33.xml><?xml version="1.0" encoding="utf-8"?>
+<file path=ppt/slides/slide34.xml><?xml version="1.0" encoding="utf-8"?>
 <p:sld xmlns:a="http://schemas.openxmlformats.org/drawingml/2006/main" xmlns:r="http://schemas.openxmlformats.org/officeDocument/2006/relationships" xmlns:p="http://schemas.openxmlformats.org/presentationml/2006/main">
   <p:cSld>
     <p:spTree>
@@ -25409,7 +25478,7 @@
 </p:sld>
 </file>
 
-<file path=ppt/slides/slide34.xml><?xml version="1.0" encoding="utf-8"?>
+<file path=ppt/slides/slide35.xml><?xml version="1.0" encoding="utf-8"?>
 <p:sld xmlns:a="http://schemas.openxmlformats.org/drawingml/2006/main" xmlns:r="http://schemas.openxmlformats.org/officeDocument/2006/relationships" xmlns:p="http://schemas.openxmlformats.org/presentationml/2006/main">
   <p:cSld>
     <p:spTree>
